--- a/CSharpStudy.Day20200704/Base Class Library.pptx
+++ b/CSharpStudy.Day20200704/Base Class Library.pptx
@@ -5,7 +5,7 @@
     <p:sldMasterId id="2147483648" r:id="rId4"/>
   </p:sldMasterIdLst>
   <p:notesMasterIdLst>
-    <p:notesMasterId r:id="rId17"/>
+    <p:notesMasterId r:id="rId18"/>
   </p:notesMasterIdLst>
   <p:sldIdLst>
     <p:sldId id="272" r:id="rId5"/>
@@ -20,6 +20,7 @@
     <p:sldId id="306" r:id="rId14"/>
     <p:sldId id="307" r:id="rId15"/>
     <p:sldId id="308" r:id="rId16"/>
+    <p:sldId id="309" r:id="rId17"/>
   </p:sldIdLst>
   <p:sldSz cx="9906000" cy="6858000" type="A4"/>
   <p:notesSz cx="6797675" cy="9926638"/>
@@ -225,7 +226,7 @@
           <a:p>
             <a:fld id="{5DF383A0-5C52-4BAA-BD3F-5F94DDAF4210}" type="datetimeFigureOut">
               <a:rPr lang="ko-KR" altLang="en-US" smtClean="0"/>
-              <a:t>2020-06-29</a:t>
+              <a:t>2020-06-30</a:t>
             </a:fld>
             <a:endParaRPr lang="ko-KR" altLang="en-US"/>
           </a:p>
@@ -11586,11 +11587,7 @@
             </a:pPr>
             <a:r>
               <a:rPr lang="en-US" altLang="ko-KR" sz="1400" b="1" dirty="0"/>
-              <a:t>6.5 </a:t>
-            </a:r>
-            <a:r>
-              <a:rPr lang="ko-KR" altLang="en-US" sz="1400" b="1" dirty="0"/>
-              <a:t>파일 </a:t>
+              <a:t>6.5.2 </a:t>
             </a:r>
             <a:r>
               <a:rPr lang="en-US" altLang="ko-KR" sz="1400" b="1" dirty="0" err="1"/>
@@ -11738,6 +11735,14 @@
                 <a:spcPct val="150000"/>
               </a:lnSpc>
             </a:pPr>
+            <a:r>
+              <a:rPr lang="en-US" altLang="ko-KR" sz="1400" b="1" dirty="0"/>
+              <a:t> </a:t>
+            </a:r>
+            <a:r>
+              <a:rPr lang="en-US" altLang="ko-KR" sz="1400" b="1" dirty="0" err="1"/>
+              <a:t>CurrentDirectory</a:t>
+            </a:r>
             <a:endParaRPr lang="en-US" altLang="ko-KR" sz="1400" b="1" dirty="0"/>
           </a:p>
           <a:p>
@@ -11746,31 +11751,62 @@
                 <a:spcPct val="150000"/>
               </a:lnSpc>
             </a:pPr>
-            <a:endParaRPr lang="en-US" altLang="ko-KR" sz="1400" b="1" dirty="0"/>
-          </a:p>
-          <a:p>
-            <a:pPr>
-              <a:lnSpc>
-                <a:spcPct val="150000"/>
-              </a:lnSpc>
-            </a:pPr>
-            <a:endParaRPr lang="en-US" altLang="ko-KR" sz="1400" b="1" dirty="0"/>
-          </a:p>
-          <a:p>
-            <a:pPr>
-              <a:lnSpc>
-                <a:spcPct val="150000"/>
-              </a:lnSpc>
-            </a:pPr>
-            <a:endParaRPr lang="en-US" altLang="ko-KR" sz="1400" b="1" dirty="0"/>
-          </a:p>
-          <a:p>
-            <a:pPr>
-              <a:lnSpc>
-                <a:spcPct val="150000"/>
-              </a:lnSpc>
-            </a:pPr>
-            <a:endParaRPr lang="en-US" altLang="ko-KR" sz="1400" b="1" dirty="0"/>
+            <a:r>
+              <a:rPr lang="en-US" altLang="ko-KR" sz="1400" b="1" dirty="0"/>
+              <a:t> </a:t>
+            </a:r>
+            <a:r>
+              <a:rPr lang="ko-KR" altLang="en-US" sz="1400" b="1" dirty="0"/>
+              <a:t>보통은 프로그램을 실행 시 해당 실행 파일이 있는 디렉토리로 값이 설정된다</a:t>
+            </a:r>
+            <a:r>
+              <a:rPr lang="en-US" altLang="ko-KR" sz="1400" b="1" dirty="0"/>
+              <a:t>. </a:t>
+            </a:r>
+            <a:r>
+              <a:rPr lang="ko-KR" altLang="en-US" sz="1400" b="1" dirty="0"/>
+              <a:t>하지만 해당 값은 다른 프로그램으로 부터 실행 될 경우 다른 프로그램의 실행 위치 디렉토리로 설정되게 된다</a:t>
+            </a:r>
+            <a:r>
+              <a:rPr lang="en-US" altLang="ko-KR" sz="1400" b="1" dirty="0"/>
+              <a:t>(</a:t>
+            </a:r>
+            <a:r>
+              <a:rPr lang="en-US" altLang="ko-KR" sz="1400" b="1" dirty="0" err="1"/>
+              <a:t>CurrentDirectory</a:t>
+            </a:r>
+            <a:r>
+              <a:rPr lang="ko-KR" altLang="en-US" sz="1400" b="1" dirty="0"/>
+              <a:t>에 대한 설정을 하지 않을 경우</a:t>
+            </a:r>
+            <a:r>
+              <a:rPr lang="en-US" altLang="ko-KR" sz="1400" b="1" dirty="0"/>
+              <a:t>) </a:t>
+            </a:r>
+            <a:r>
+              <a:rPr lang="ko-KR" altLang="en-US" sz="1400" b="1" dirty="0"/>
+              <a:t>해당 값은 프로그램을 실행 시킬 때 </a:t>
+            </a:r>
+            <a:r>
+              <a:rPr lang="en-US" altLang="ko-KR" sz="1400" b="1" dirty="0" err="1"/>
+              <a:t>ProcessStartInfo.WorkingDirectory</a:t>
+            </a:r>
+            <a:r>
+              <a:rPr lang="ko-KR" altLang="en-US" sz="1400" b="1" dirty="0"/>
+              <a:t>를 설정 하거나 실행되는 프로그램 메인 메서드 같은 부분에 </a:t>
+            </a:r>
+            <a:r>
+              <a:rPr lang="en-US" altLang="ko-KR" sz="1400" b="1" dirty="0" err="1"/>
+              <a:t>CurrentDirectory</a:t>
+            </a:r>
+            <a:r>
+              <a:rPr lang="ko-KR" altLang="en-US" sz="1400" b="1" dirty="0"/>
+              <a:t>에 대한 설정이 필요하다</a:t>
+            </a:r>
+            <a:r>
+              <a:rPr lang="en-US" altLang="ko-KR" sz="1400" b="1" dirty="0"/>
+              <a:t>.</a:t>
+            </a:r>
           </a:p>
           <a:p>
             <a:pPr>
@@ -11878,59 +11914,6 @@
               <a:rPr lang="ko-KR" altLang="en-US" dirty="0"/>
               <a:t>이바우</a:t>
             </a:r>
-          </a:p>
-        </p:txBody>
-      </p:sp>
-      <p:sp>
-        <p:nvSpPr>
-          <p:cNvPr id="4" name="TextBox 3">
-            <a:extLst>
-              <a:ext uri="{FF2B5EF4-FFF2-40B4-BE49-F238E27FC236}">
-                <a16:creationId xmlns:a16="http://schemas.microsoft.com/office/drawing/2014/main" id="{63CD2FF7-E5C7-4CC9-84B6-B2295EAC55C0}"/>
-              </a:ext>
-            </a:extLst>
-          </p:cNvPr>
-          <p:cNvSpPr txBox="1"/>
-          <p:nvPr/>
-        </p:nvSpPr>
-        <p:spPr>
-          <a:xfrm>
-            <a:off x="416496" y="836712"/>
-            <a:ext cx="2952328" cy="373885"/>
-          </a:xfrm>
-          <a:prstGeom prst="rect">
-            <a:avLst/>
-          </a:prstGeom>
-          <a:ln w="28575">
-            <a:solidFill>
-              <a:schemeClr val="tx1"/>
-            </a:solidFill>
-          </a:ln>
-        </p:spPr>
-        <p:txBody>
-          <a:bodyPr wrap="square" rtlCol="0">
-            <a:spAutoFit/>
-          </a:bodyPr>
-          <a:lstStyle/>
-          <a:p>
-            <a:pPr>
-              <a:lnSpc>
-                <a:spcPct val="150000"/>
-              </a:lnSpc>
-            </a:pPr>
-            <a:r>
-              <a:rPr lang="en-US" altLang="ko-KR" sz="1400" b="1" dirty="0"/>
-              <a:t>6.5 </a:t>
-            </a:r>
-            <a:r>
-              <a:rPr lang="ko-KR" altLang="en-US" sz="1400" b="1" dirty="0"/>
-              <a:t>파일 </a:t>
-            </a:r>
-            <a:r>
-              <a:rPr lang="en-US" altLang="ko-KR" sz="1400" b="1" dirty="0" err="1"/>
-              <a:t>System.IO.File</a:t>
-            </a:r>
-            <a:endParaRPr lang="en-US" altLang="ko-KR" sz="1400" b="1" dirty="0"/>
           </a:p>
         </p:txBody>
       </p:sp>
@@ -12625,6 +12608,63 @@
           </a:graphicData>
         </a:graphic>
       </p:graphicFrame>
+      <p:sp>
+        <p:nvSpPr>
+          <p:cNvPr id="7" name="TextBox 6">
+            <a:extLst>
+              <a:ext uri="{FF2B5EF4-FFF2-40B4-BE49-F238E27FC236}">
+                <a16:creationId xmlns:a16="http://schemas.microsoft.com/office/drawing/2014/main" id="{A0B1F6E8-CC5E-43EC-B000-3A98A9EB2F53}"/>
+              </a:ext>
+            </a:extLst>
+          </p:cNvPr>
+          <p:cNvSpPr txBox="1"/>
+          <p:nvPr/>
+        </p:nvSpPr>
+        <p:spPr>
+          <a:xfrm>
+            <a:off x="416496" y="836712"/>
+            <a:ext cx="4104456" cy="373885"/>
+          </a:xfrm>
+          <a:prstGeom prst="rect">
+            <a:avLst/>
+          </a:prstGeom>
+          <a:ln w="28575">
+            <a:solidFill>
+              <a:schemeClr val="tx1"/>
+            </a:solidFill>
+          </a:ln>
+        </p:spPr>
+        <p:txBody>
+          <a:bodyPr wrap="square" rtlCol="0">
+            <a:spAutoFit/>
+          </a:bodyPr>
+          <a:lstStyle/>
+          <a:p>
+            <a:pPr>
+              <a:lnSpc>
+                <a:spcPct val="150000"/>
+              </a:lnSpc>
+            </a:pPr>
+            <a:r>
+              <a:rPr lang="en-US" altLang="ko-KR" sz="1400" b="1" dirty="0"/>
+              <a:t>6.5.2 </a:t>
+            </a:r>
+            <a:r>
+              <a:rPr lang="en-US" altLang="ko-KR" sz="1400" b="1" dirty="0" err="1"/>
+              <a:t>System.IO.File</a:t>
+            </a:r>
+            <a:r>
+              <a:rPr lang="en-US" altLang="ko-KR" sz="1400" b="1" dirty="0"/>
+              <a:t> / </a:t>
+            </a:r>
+            <a:r>
+              <a:rPr lang="en-US" altLang="ko-KR" sz="1400" b="1" dirty="0" err="1"/>
+              <a:t>System.IO.FileInfo</a:t>
+            </a:r>
+            <a:endParaRPr lang="en-US" altLang="ko-KR" sz="1400" b="1" dirty="0"/>
+          </a:p>
+        </p:txBody>
+      </p:sp>
     </p:spTree>
     <p:extLst>
       <p:ext uri="{BB962C8B-B14F-4D97-AF65-F5344CB8AC3E}">
@@ -12710,10 +12750,10 @@
       </p:sp>
       <p:sp>
         <p:nvSpPr>
-          <p:cNvPr id="4" name="TextBox 3">
+          <p:cNvPr id="5" name="TextBox 4">
             <a:extLst>
               <a:ext uri="{FF2B5EF4-FFF2-40B4-BE49-F238E27FC236}">
-                <a16:creationId xmlns:a16="http://schemas.microsoft.com/office/drawing/2014/main" id="{63CD2FF7-E5C7-4CC9-84B6-B2295EAC55C0}"/>
+                <a16:creationId xmlns:a16="http://schemas.microsoft.com/office/drawing/2014/main" id="{3E380147-310D-4726-B4FD-EA889EB13697}"/>
               </a:ext>
             </a:extLst>
           </p:cNvPr>
@@ -12722,8 +12762,8 @@
         </p:nvSpPr>
         <p:spPr>
           <a:xfrm>
-            <a:off x="416496" y="836712"/>
-            <a:ext cx="2952328" cy="373885"/>
+            <a:off x="416496" y="1205644"/>
+            <a:ext cx="9073008" cy="4898200"/>
           </a:xfrm>
           <a:prstGeom prst="rect">
             <a:avLst/>
@@ -12745,19 +12785,715 @@
                 <a:spcPct val="150000"/>
               </a:lnSpc>
             </a:pPr>
+            <a:endParaRPr lang="en-US" altLang="ko-KR" sz="1400" b="1" dirty="0"/>
+          </a:p>
+          <a:p>
+            <a:pPr>
+              <a:lnSpc>
+                <a:spcPct val="150000"/>
+              </a:lnSpc>
+            </a:pPr>
             <a:r>
               <a:rPr lang="en-US" altLang="ko-KR" sz="1400" b="1" dirty="0"/>
-              <a:t>6.5 </a:t>
+              <a:t> Directory </a:t>
             </a:r>
             <a:r>
               <a:rPr lang="ko-KR" altLang="en-US" sz="1400" b="1" dirty="0"/>
-              <a:t>파일 </a:t>
+              <a:t>타입과 </a:t>
             </a:r>
             <a:r>
               <a:rPr lang="en-US" altLang="ko-KR" sz="1400" b="1" dirty="0" err="1"/>
-              <a:t>System.IO.File</a:t>
+              <a:t>DirectoryInfo</a:t>
+            </a:r>
+            <a:r>
+              <a:rPr lang="en-US" altLang="ko-KR" sz="1400" b="1" dirty="0"/>
+              <a:t> </a:t>
+            </a:r>
+            <a:r>
+              <a:rPr lang="ko-KR" altLang="en-US" sz="1400" b="1" dirty="0"/>
+              <a:t>타입의 관계도 </a:t>
+            </a:r>
+            <a:r>
+              <a:rPr lang="en-US" altLang="ko-KR" sz="1400" b="1" dirty="0"/>
+              <a:t>File / </a:t>
+            </a:r>
+            <a:r>
+              <a:rPr lang="en-US" altLang="ko-KR" sz="1400" b="1" dirty="0" err="1"/>
+              <a:t>FileInfo</a:t>
+            </a:r>
+            <a:r>
+              <a:rPr lang="en-US" altLang="ko-KR" sz="1400" b="1" dirty="0"/>
+              <a:t> </a:t>
+            </a:r>
+            <a:r>
+              <a:rPr lang="ko-KR" altLang="en-US" sz="1400" b="1" dirty="0"/>
+              <a:t>관계와 동일</a:t>
             </a:r>
             <a:endParaRPr lang="en-US" altLang="ko-KR" sz="1400" b="1" dirty="0"/>
+          </a:p>
+          <a:p>
+            <a:pPr>
+              <a:lnSpc>
+                <a:spcPct val="150000"/>
+              </a:lnSpc>
+            </a:pPr>
+            <a:endParaRPr lang="en-US" altLang="ko-KR" sz="1400" b="1" dirty="0"/>
+          </a:p>
+          <a:p>
+            <a:pPr>
+              <a:lnSpc>
+                <a:spcPct val="150000"/>
+              </a:lnSpc>
+            </a:pPr>
+            <a:r>
+              <a:rPr lang="en-US" altLang="ko-KR" sz="1400" b="1" dirty="0"/>
+              <a:t> Directory </a:t>
+            </a:r>
+            <a:r>
+              <a:rPr lang="ko-KR" altLang="en-US" sz="1400" b="1" dirty="0"/>
+              <a:t>타입의 정적 메서드</a:t>
+            </a:r>
+            <a:endParaRPr lang="en-US" altLang="ko-KR" sz="1400" b="1" dirty="0"/>
+          </a:p>
+          <a:p>
+            <a:pPr>
+              <a:lnSpc>
+                <a:spcPct val="150000"/>
+              </a:lnSpc>
+            </a:pPr>
+            <a:endParaRPr lang="en-US" altLang="ko-KR" sz="1400" b="1" dirty="0"/>
+          </a:p>
+          <a:p>
+            <a:pPr>
+              <a:lnSpc>
+                <a:spcPct val="150000"/>
+              </a:lnSpc>
+            </a:pPr>
+            <a:endParaRPr lang="en-US" altLang="ko-KR" sz="1400" b="1" dirty="0"/>
+          </a:p>
+          <a:p>
+            <a:pPr>
+              <a:lnSpc>
+                <a:spcPct val="150000"/>
+              </a:lnSpc>
+            </a:pPr>
+            <a:endParaRPr lang="en-US" altLang="ko-KR" sz="1400" b="1" dirty="0"/>
+          </a:p>
+          <a:p>
+            <a:pPr>
+              <a:lnSpc>
+                <a:spcPct val="150000"/>
+              </a:lnSpc>
+            </a:pPr>
+            <a:endParaRPr lang="en-US" altLang="ko-KR" sz="1400" b="1" dirty="0"/>
+          </a:p>
+          <a:p>
+            <a:pPr>
+              <a:lnSpc>
+                <a:spcPct val="150000"/>
+              </a:lnSpc>
+            </a:pPr>
+            <a:endParaRPr lang="en-US" altLang="ko-KR" sz="1400" b="1" dirty="0"/>
+          </a:p>
+          <a:p>
+            <a:pPr>
+              <a:lnSpc>
+                <a:spcPct val="150000"/>
+              </a:lnSpc>
+            </a:pPr>
+            <a:endParaRPr lang="en-US" altLang="ko-KR" sz="1400" b="1" dirty="0"/>
+          </a:p>
+          <a:p>
+            <a:pPr>
+              <a:lnSpc>
+                <a:spcPct val="150000"/>
+              </a:lnSpc>
+            </a:pPr>
+            <a:endParaRPr lang="en-US" altLang="ko-KR" sz="1400" b="1" dirty="0"/>
+          </a:p>
+          <a:p>
+            <a:pPr>
+              <a:lnSpc>
+                <a:spcPct val="150000"/>
+              </a:lnSpc>
+            </a:pPr>
+            <a:endParaRPr lang="en-US" altLang="ko-KR" sz="1400" b="1" dirty="0"/>
+          </a:p>
+          <a:p>
+            <a:pPr>
+              <a:lnSpc>
+                <a:spcPct val="150000"/>
+              </a:lnSpc>
+            </a:pPr>
+            <a:endParaRPr lang="en-US" altLang="ko-KR" sz="1400" b="1" dirty="0"/>
+          </a:p>
+          <a:p>
+            <a:pPr>
+              <a:lnSpc>
+                <a:spcPct val="150000"/>
+              </a:lnSpc>
+            </a:pPr>
+            <a:endParaRPr lang="en-US" altLang="ko-KR" sz="1400" b="1" dirty="0"/>
+          </a:p>
+          <a:p>
+            <a:pPr>
+              <a:lnSpc>
+                <a:spcPct val="150000"/>
+              </a:lnSpc>
+            </a:pPr>
+            <a:endParaRPr lang="en-US" altLang="ko-KR" sz="1400" b="1" dirty="0"/>
+          </a:p>
+        </p:txBody>
+      </p:sp>
+      <p:sp>
+        <p:nvSpPr>
+          <p:cNvPr id="6" name="TextBox 5">
+            <a:extLst>
+              <a:ext uri="{FF2B5EF4-FFF2-40B4-BE49-F238E27FC236}">
+                <a16:creationId xmlns:a16="http://schemas.microsoft.com/office/drawing/2014/main" id="{6C982F2C-AA68-4710-B87F-E3EFBDE5B513}"/>
+              </a:ext>
+            </a:extLst>
+          </p:cNvPr>
+          <p:cNvSpPr txBox="1"/>
+          <p:nvPr/>
+        </p:nvSpPr>
+        <p:spPr>
+          <a:xfrm>
+            <a:off x="416496" y="836712"/>
+            <a:ext cx="4536504" cy="373885"/>
+          </a:xfrm>
+          <a:prstGeom prst="rect">
+            <a:avLst/>
+          </a:prstGeom>
+          <a:ln w="28575">
+            <a:solidFill>
+              <a:schemeClr val="tx1"/>
+            </a:solidFill>
+          </a:ln>
+        </p:spPr>
+        <p:txBody>
+          <a:bodyPr wrap="square" rtlCol="0">
+            <a:spAutoFit/>
+          </a:bodyPr>
+          <a:lstStyle/>
+          <a:p>
+            <a:pPr>
+              <a:lnSpc>
+                <a:spcPct val="150000"/>
+              </a:lnSpc>
+            </a:pPr>
+            <a:r>
+              <a:rPr lang="en-US" altLang="ko-KR" sz="1400" b="1" dirty="0"/>
+              <a:t>6.5.3 </a:t>
+            </a:r>
+            <a:r>
+              <a:rPr lang="en-US" altLang="ko-KR" sz="1400" b="1" dirty="0" err="1"/>
+              <a:t>System.IO.Directory</a:t>
+            </a:r>
+            <a:r>
+              <a:rPr lang="en-US" altLang="ko-KR" sz="1400" b="1" dirty="0"/>
+              <a:t> / </a:t>
+            </a:r>
+            <a:r>
+              <a:rPr lang="en-US" altLang="ko-KR" sz="1400" b="1" dirty="0" err="1"/>
+              <a:t>System.IO.DirectoryInfo</a:t>
+            </a:r>
+            <a:endParaRPr lang="en-US" altLang="ko-KR" sz="1400" b="1" dirty="0"/>
+          </a:p>
+        </p:txBody>
+      </p:sp>
+      <p:graphicFrame>
+        <p:nvGraphicFramePr>
+          <p:cNvPr id="7" name="표 6">
+            <a:extLst>
+              <a:ext uri="{FF2B5EF4-FFF2-40B4-BE49-F238E27FC236}">
+                <a16:creationId xmlns:a16="http://schemas.microsoft.com/office/drawing/2014/main" id="{E5E3F890-A4BB-4279-9875-74765D12A7B9}"/>
+              </a:ext>
+            </a:extLst>
+          </p:cNvPr>
+          <p:cNvGraphicFramePr>
+            <a:graphicFrameLocks noGrp="1"/>
+          </p:cNvGraphicFramePr>
+          <p:nvPr>
+            <p:extLst>
+              <p:ext uri="{D42A27DB-BD31-4B8C-83A1-F6EECF244321}">
+                <p14:modId xmlns:p14="http://schemas.microsoft.com/office/powerpoint/2010/main" val="3194670711"/>
+              </p:ext>
+            </p:extLst>
+          </p:nvPr>
+        </p:nvGraphicFramePr>
+        <p:xfrm>
+          <a:off x="560512" y="2564904"/>
+          <a:ext cx="8640960" cy="3022600"/>
+        </p:xfrm>
+        <a:graphic>
+          <a:graphicData uri="http://schemas.openxmlformats.org/drawingml/2006/table">
+            <a:tbl>
+              <a:tblPr firstRow="1" bandRow="1">
+                <a:tableStyleId>{5C22544A-7EE6-4342-B048-85BDC9FD1C3A}</a:tableStyleId>
+              </a:tblPr>
+              <a:tblGrid>
+                <a:gridCol w="1800200">
+                  <a:extLst>
+                    <a:ext uri="{9D8B030D-6E8A-4147-A177-3AD203B41FA5}">
+                      <a16:colId xmlns:a16="http://schemas.microsoft.com/office/drawing/2014/main" val="291774303"/>
+                    </a:ext>
+                  </a:extLst>
+                </a:gridCol>
+                <a:gridCol w="6840760">
+                  <a:extLst>
+                    <a:ext uri="{9D8B030D-6E8A-4147-A177-3AD203B41FA5}">
+                      <a16:colId xmlns:a16="http://schemas.microsoft.com/office/drawing/2014/main" val="1371080555"/>
+                    </a:ext>
+                  </a:extLst>
+                </a:gridCol>
+              </a:tblGrid>
+              <a:tr h="370840">
+                <a:tc>
+                  <a:txBody>
+                    <a:bodyPr/>
+                    <a:lstStyle/>
+                    <a:p>
+                      <a:pPr latinLnBrk="1"/>
+                      <a:r>
+                        <a:rPr lang="ko-KR" altLang="en-US" sz="1400" b="1" dirty="0"/>
+                        <a:t>열거형 값</a:t>
+                      </a:r>
+                    </a:p>
+                  </a:txBody>
+                  <a:tcPr/>
+                </a:tc>
+                <a:tc>
+                  <a:txBody>
+                    <a:bodyPr/>
+                    <a:lstStyle/>
+                    <a:p>
+                      <a:pPr latinLnBrk="1"/>
+                      <a:r>
+                        <a:rPr lang="ko-KR" altLang="en-US" sz="1400" b="1" dirty="0"/>
+                        <a:t>설명</a:t>
+                      </a:r>
+                    </a:p>
+                  </a:txBody>
+                  <a:tcPr/>
+                </a:tc>
+                <a:extLst>
+                  <a:ext uri="{0D108BD9-81ED-4DB2-BD59-A6C34878D82A}">
+                    <a16:rowId xmlns:a16="http://schemas.microsoft.com/office/drawing/2014/main" val="1980307682"/>
+                  </a:ext>
+                </a:extLst>
+              </a:tr>
+              <a:tr h="370840">
+                <a:tc>
+                  <a:txBody>
+                    <a:bodyPr/>
+                    <a:lstStyle/>
+                    <a:p>
+                      <a:pPr latinLnBrk="1"/>
+                      <a:r>
+                        <a:rPr lang="en-US" altLang="ko-KR" sz="1100" b="1" dirty="0" err="1"/>
+                        <a:t>CreateDirectory</a:t>
+                      </a:r>
+                      <a:endParaRPr lang="ko-KR" altLang="en-US" sz="1100" b="1" dirty="0"/>
+                    </a:p>
+                  </a:txBody>
+                  <a:tcPr/>
+                </a:tc>
+                <a:tc>
+                  <a:txBody>
+                    <a:bodyPr/>
+                    <a:lstStyle/>
+                    <a:p>
+                      <a:pPr latinLnBrk="1"/>
+                      <a:r>
+                        <a:rPr lang="ko-KR" altLang="en-US" sz="1100" b="0" dirty="0"/>
+                        <a:t>디렉터리를 생성한다</a:t>
+                      </a:r>
+                      <a:r>
+                        <a:rPr lang="en-US" altLang="ko-KR" sz="1100" b="0" dirty="0"/>
+                        <a:t>. </a:t>
+                      </a:r>
+                      <a:r>
+                        <a:rPr lang="ko-KR" altLang="en-US" sz="1100" b="0" dirty="0"/>
+                        <a:t>이미 디렉터리가 존재한다면 아무런 작업도 하지 않는다</a:t>
+                      </a:r>
+                      <a:r>
+                        <a:rPr lang="en-US" altLang="ko-KR" sz="1100" b="0" dirty="0"/>
+                        <a:t>.</a:t>
+                      </a:r>
+                      <a:endParaRPr lang="ko-KR" altLang="en-US" sz="1100" b="0" dirty="0"/>
+                    </a:p>
+                  </a:txBody>
+                  <a:tcPr/>
+                </a:tc>
+                <a:extLst>
+                  <a:ext uri="{0D108BD9-81ED-4DB2-BD59-A6C34878D82A}">
+                    <a16:rowId xmlns:a16="http://schemas.microsoft.com/office/drawing/2014/main" val="471431531"/>
+                  </a:ext>
+                </a:extLst>
+              </a:tr>
+              <a:tr h="370840">
+                <a:tc>
+                  <a:txBody>
+                    <a:bodyPr/>
+                    <a:lstStyle/>
+                    <a:p>
+                      <a:pPr latinLnBrk="1"/>
+                      <a:r>
+                        <a:rPr lang="en-US" altLang="ko-KR" sz="1100" b="1" dirty="0"/>
+                        <a:t>Delete</a:t>
+                      </a:r>
+                      <a:endParaRPr lang="ko-KR" altLang="en-US" sz="1100" b="1" dirty="0"/>
+                    </a:p>
+                  </a:txBody>
+                  <a:tcPr/>
+                </a:tc>
+                <a:tc>
+                  <a:txBody>
+                    <a:bodyPr/>
+                    <a:lstStyle/>
+                    <a:p>
+                      <a:pPr latinLnBrk="1"/>
+                      <a:r>
+                        <a:rPr lang="ko-KR" altLang="en-US" sz="1100" b="0" dirty="0"/>
+                        <a:t>디렉터리를 삭제한다</a:t>
+                      </a:r>
+                      <a:r>
+                        <a:rPr lang="en-US" altLang="ko-KR" sz="1100" b="0" dirty="0"/>
+                        <a:t>. </a:t>
+                      </a:r>
+                      <a:r>
+                        <a:rPr lang="ko-KR" altLang="en-US" sz="1100" b="0" dirty="0"/>
+                        <a:t>존재하지 않는 디렉터리를 삭제하는 경우 </a:t>
+                      </a:r>
+                      <a:r>
+                        <a:rPr lang="en-US" altLang="ko-KR" sz="1100" b="0" dirty="0" err="1"/>
+                        <a:t>DirectoryNotFoundException</a:t>
+                      </a:r>
+                      <a:r>
+                        <a:rPr lang="en-US" altLang="ko-KR" sz="1100" b="0" dirty="0"/>
+                        <a:t> </a:t>
+                      </a:r>
+                      <a:r>
+                        <a:rPr lang="ko-KR" altLang="en-US" sz="1100" b="0" dirty="0"/>
+                        <a:t>예외 발생한다</a:t>
+                      </a:r>
+                      <a:r>
+                        <a:rPr lang="en-US" altLang="ko-KR" sz="1100" b="0" dirty="0"/>
+                        <a:t>.</a:t>
+                      </a:r>
+                      <a:endParaRPr lang="ko-KR" altLang="en-US" sz="1100" b="0" dirty="0"/>
+                    </a:p>
+                  </a:txBody>
+                  <a:tcPr/>
+                </a:tc>
+                <a:extLst>
+                  <a:ext uri="{0D108BD9-81ED-4DB2-BD59-A6C34878D82A}">
+                    <a16:rowId xmlns:a16="http://schemas.microsoft.com/office/drawing/2014/main" val="2091468123"/>
+                  </a:ext>
+                </a:extLst>
+              </a:tr>
+              <a:tr h="370840">
+                <a:tc>
+                  <a:txBody>
+                    <a:bodyPr/>
+                    <a:lstStyle/>
+                    <a:p>
+                      <a:pPr latinLnBrk="1"/>
+                      <a:r>
+                        <a:rPr lang="en-US" altLang="ko-KR" sz="1100" b="1" dirty="0"/>
+                        <a:t>Exists</a:t>
+                      </a:r>
+                      <a:endParaRPr lang="ko-KR" altLang="en-US" sz="1100" b="1" dirty="0"/>
+                    </a:p>
+                  </a:txBody>
+                  <a:tcPr/>
+                </a:tc>
+                <a:tc>
+                  <a:txBody>
+                    <a:bodyPr/>
+                    <a:lstStyle/>
+                    <a:p>
+                      <a:pPr latinLnBrk="1"/>
+                      <a:r>
+                        <a:rPr lang="ko-KR" altLang="en-US" sz="1100" b="0" dirty="0"/>
+                        <a:t>디렉터리가 존재하는지 여부를 </a:t>
+                      </a:r>
+                      <a:r>
+                        <a:rPr lang="en-US" altLang="ko-KR" sz="1100" b="0" dirty="0"/>
+                        <a:t>true/false</a:t>
+                      </a:r>
+                      <a:r>
+                        <a:rPr lang="ko-KR" altLang="en-US" sz="1100" b="0" dirty="0"/>
+                        <a:t>로 반환한다</a:t>
+                      </a:r>
+                      <a:r>
+                        <a:rPr lang="en-US" altLang="ko-KR" sz="1100" b="0" dirty="0"/>
+                        <a:t>.</a:t>
+                      </a:r>
+                      <a:endParaRPr lang="ko-KR" altLang="en-US" sz="1100" b="0" dirty="0"/>
+                    </a:p>
+                  </a:txBody>
+                  <a:tcPr/>
+                </a:tc>
+                <a:extLst>
+                  <a:ext uri="{0D108BD9-81ED-4DB2-BD59-A6C34878D82A}">
+                    <a16:rowId xmlns:a16="http://schemas.microsoft.com/office/drawing/2014/main" val="1878504918"/>
+                  </a:ext>
+                </a:extLst>
+              </a:tr>
+              <a:tr h="370840">
+                <a:tc>
+                  <a:txBody>
+                    <a:bodyPr/>
+                    <a:lstStyle/>
+                    <a:p>
+                      <a:pPr latinLnBrk="1"/>
+                      <a:r>
+                        <a:rPr lang="en-US" altLang="ko-KR" sz="1100" b="1" dirty="0" err="1"/>
+                        <a:t>GetDirectories</a:t>
+                      </a:r>
+                      <a:endParaRPr lang="ko-KR" altLang="en-US" sz="1100" b="1" dirty="0"/>
+                    </a:p>
+                  </a:txBody>
+                  <a:tcPr/>
+                </a:tc>
+                <a:tc>
+                  <a:txBody>
+                    <a:bodyPr/>
+                    <a:lstStyle/>
+                    <a:p>
+                      <a:pPr latinLnBrk="1"/>
+                      <a:r>
+                        <a:rPr lang="ko-KR" altLang="en-US" sz="1100" b="0" dirty="0"/>
+                        <a:t>지정된 경로의 하위 디렉터리 목록을 문자열 배열로 반환한다</a:t>
+                      </a:r>
+                      <a:r>
+                        <a:rPr lang="en-US" altLang="ko-KR" sz="1100" b="0" dirty="0"/>
+                        <a:t>.</a:t>
+                      </a:r>
+                    </a:p>
+                  </a:txBody>
+                  <a:tcPr/>
+                </a:tc>
+                <a:extLst>
+                  <a:ext uri="{0D108BD9-81ED-4DB2-BD59-A6C34878D82A}">
+                    <a16:rowId xmlns:a16="http://schemas.microsoft.com/office/drawing/2014/main" val="2891439048"/>
+                  </a:ext>
+                </a:extLst>
+              </a:tr>
+              <a:tr h="370840">
+                <a:tc>
+                  <a:txBody>
+                    <a:bodyPr/>
+                    <a:lstStyle/>
+                    <a:p>
+                      <a:pPr latinLnBrk="1"/>
+                      <a:r>
+                        <a:rPr lang="en-US" altLang="ko-KR" sz="1100" b="1" dirty="0" err="1"/>
+                        <a:t>GetFiles</a:t>
+                      </a:r>
+                      <a:endParaRPr lang="ko-KR" altLang="en-US" sz="1100" b="1" dirty="0"/>
+                    </a:p>
+                  </a:txBody>
+                  <a:tcPr/>
+                </a:tc>
+                <a:tc>
+                  <a:txBody>
+                    <a:bodyPr/>
+                    <a:lstStyle/>
+                    <a:p>
+                      <a:pPr latinLnBrk="1"/>
+                      <a:r>
+                        <a:rPr lang="ko-KR" altLang="en-US" sz="1100" b="0" dirty="0"/>
+                        <a:t>지정된 경로에 있는 파일을 문자열 배열로 반환한다</a:t>
+                      </a:r>
+                      <a:r>
+                        <a:rPr lang="en-US" altLang="ko-KR" sz="1100" b="0" dirty="0"/>
+                        <a:t>.</a:t>
+                      </a:r>
+                    </a:p>
+                  </a:txBody>
+                  <a:tcPr/>
+                </a:tc>
+                <a:extLst>
+                  <a:ext uri="{0D108BD9-81ED-4DB2-BD59-A6C34878D82A}">
+                    <a16:rowId xmlns:a16="http://schemas.microsoft.com/office/drawing/2014/main" val="2687317138"/>
+                  </a:ext>
+                </a:extLst>
+              </a:tr>
+              <a:tr h="370840">
+                <a:tc>
+                  <a:txBody>
+                    <a:bodyPr/>
+                    <a:lstStyle/>
+                    <a:p>
+                      <a:pPr latinLnBrk="1"/>
+                      <a:r>
+                        <a:rPr lang="en-US" altLang="ko-KR" sz="1100" b="1" dirty="0" err="1"/>
+                        <a:t>GetLogicalDrives</a:t>
+                      </a:r>
+                      <a:endParaRPr lang="ko-KR" altLang="en-US" sz="1100" b="1" dirty="0"/>
+                    </a:p>
+                  </a:txBody>
+                  <a:tcPr/>
+                </a:tc>
+                <a:tc>
+                  <a:txBody>
+                    <a:bodyPr/>
+                    <a:lstStyle/>
+                    <a:p>
+                      <a:pPr latinLnBrk="1"/>
+                      <a:r>
+                        <a:rPr lang="ko-KR" altLang="en-US" sz="1100" b="0" dirty="0"/>
+                        <a:t>시스템에 설치된 디스크의 드라이브 문자 목록을 </a:t>
+                      </a:r>
+                      <a:r>
+                        <a:rPr lang="en-US" altLang="ko-KR" sz="1100" b="0" dirty="0"/>
+                        <a:t>string </a:t>
+                      </a:r>
+                      <a:r>
+                        <a:rPr lang="ko-KR" altLang="en-US" sz="1100" b="0" dirty="0"/>
+                        <a:t>배열로 반환한다</a:t>
+                      </a:r>
+                      <a:r>
+                        <a:rPr lang="en-US" altLang="ko-KR" sz="1100" b="0" dirty="0"/>
+                        <a:t>.</a:t>
+                      </a:r>
+                    </a:p>
+                  </a:txBody>
+                  <a:tcPr/>
+                </a:tc>
+                <a:extLst>
+                  <a:ext uri="{0D108BD9-81ED-4DB2-BD59-A6C34878D82A}">
+                    <a16:rowId xmlns:a16="http://schemas.microsoft.com/office/drawing/2014/main" val="2139579685"/>
+                  </a:ext>
+                </a:extLst>
+              </a:tr>
+              <a:tr h="370840">
+                <a:tc>
+                  <a:txBody>
+                    <a:bodyPr/>
+                    <a:lstStyle/>
+                    <a:p>
+                      <a:pPr latinLnBrk="1"/>
+                      <a:r>
+                        <a:rPr lang="en-US" altLang="ko-KR" sz="1100" b="1" dirty="0"/>
+                        <a:t>Move</a:t>
+                      </a:r>
+                      <a:endParaRPr lang="ko-KR" altLang="en-US" sz="1100" b="1" dirty="0"/>
+                    </a:p>
+                  </a:txBody>
+                  <a:tcPr/>
+                </a:tc>
+                <a:tc>
+                  <a:txBody>
+                    <a:bodyPr/>
+                    <a:lstStyle/>
+                    <a:p>
+                      <a:pPr latinLnBrk="1"/>
+                      <a:r>
+                        <a:rPr lang="ko-KR" altLang="en-US" sz="1100" b="0" dirty="0"/>
+                        <a:t>디렉터리를 이동한다</a:t>
+                      </a:r>
+                      <a:r>
+                        <a:rPr lang="en-US" altLang="ko-KR" sz="1100" b="0" dirty="0"/>
+                        <a:t>.</a:t>
+                      </a:r>
+                    </a:p>
+                  </a:txBody>
+                  <a:tcPr/>
+                </a:tc>
+                <a:extLst>
+                  <a:ext uri="{0D108BD9-81ED-4DB2-BD59-A6C34878D82A}">
+                    <a16:rowId xmlns:a16="http://schemas.microsoft.com/office/drawing/2014/main" val="4136233224"/>
+                  </a:ext>
+                </a:extLst>
+              </a:tr>
+            </a:tbl>
+          </a:graphicData>
+        </a:graphic>
+      </p:graphicFrame>
+    </p:spTree>
+    <p:extLst>
+      <p:ext uri="{BB962C8B-B14F-4D97-AF65-F5344CB8AC3E}">
+        <p14:creationId xmlns:p14="http://schemas.microsoft.com/office/powerpoint/2010/main" val="1058405260"/>
+      </p:ext>
+    </p:extLst>
+  </p:cSld>
+  <p:clrMapOvr>
+    <a:masterClrMapping/>
+  </p:clrMapOvr>
+</p:sld>
+</file>
+
+<file path=ppt/slides/slide13.xml><?xml version="1.0" encoding="utf-8"?>
+<p:sld xmlns:a="http://schemas.openxmlformats.org/drawingml/2006/main" xmlns:r="http://schemas.openxmlformats.org/officeDocument/2006/relationships" xmlns:p="http://schemas.openxmlformats.org/presentationml/2006/main">
+  <p:cSld>
+    <p:spTree>
+      <p:nvGrpSpPr>
+        <p:cNvPr id="1" name=""/>
+        <p:cNvGrpSpPr/>
+        <p:nvPr/>
+      </p:nvGrpSpPr>
+      <p:grpSpPr>
+        <a:xfrm>
+          <a:off x="0" y="0"/>
+          <a:ext cx="0" cy="0"/>
+          <a:chOff x="0" y="0"/>
+          <a:chExt cx="0" cy="0"/>
+        </a:xfrm>
+      </p:grpSpPr>
+      <p:sp>
+        <p:nvSpPr>
+          <p:cNvPr id="2" name="제목 1"/>
+          <p:cNvSpPr>
+            <a:spLocks noGrp="1"/>
+          </p:cNvSpPr>
+          <p:nvPr>
+            <p:ph type="title"/>
+          </p:nvPr>
+        </p:nvSpPr>
+        <p:spPr/>
+        <p:txBody>
+          <a:bodyPr/>
+          <a:lstStyle/>
+          <a:p>
+            <a:r>
+              <a:rPr lang="en-US" altLang="ko-KR" dirty="0"/>
+              <a:t>Base</a:t>
+            </a:r>
+            <a:r>
+              <a:rPr lang="ko-KR" altLang="en-US" dirty="0"/>
+              <a:t> </a:t>
+            </a:r>
+            <a:r>
+              <a:rPr lang="en-US" altLang="ko-KR" dirty="0"/>
+              <a:t>Class Library</a:t>
+            </a:r>
+            <a:endParaRPr lang="ko-KR" altLang="en-US" dirty="0"/>
+          </a:p>
+        </p:txBody>
+      </p:sp>
+      <p:sp>
+        <p:nvSpPr>
+          <p:cNvPr id="3" name="텍스트 개체 틀 2"/>
+          <p:cNvSpPr>
+            <a:spLocks noGrp="1"/>
+          </p:cNvSpPr>
+          <p:nvPr>
+            <p:ph type="body" sz="quarter" idx="12"/>
+          </p:nvPr>
+        </p:nvSpPr>
+        <p:spPr/>
+        <p:txBody>
+          <a:bodyPr/>
+          <a:lstStyle/>
+          <a:p>
+            <a:r>
+              <a:rPr lang="ko-KR" altLang="en-US" dirty="0"/>
+              <a:t>이바우</a:t>
+            </a:r>
           </a:p>
         </p:txBody>
       </p:sp>
@@ -12776,7 +13512,7 @@
         <p:spPr>
           <a:xfrm>
             <a:off x="416496" y="1205644"/>
-            <a:ext cx="9073008" cy="4575035"/>
+            <a:ext cx="9073008" cy="3928704"/>
           </a:xfrm>
           <a:prstGeom prst="rect">
             <a:avLst/>
@@ -12892,20 +13628,61 @@
             </a:pPr>
             <a:endParaRPr lang="en-US" altLang="ko-KR" sz="1400" b="1" dirty="0"/>
           </a:p>
+        </p:txBody>
+      </p:sp>
+      <p:sp>
+        <p:nvSpPr>
+          <p:cNvPr id="6" name="TextBox 5">
+            <a:extLst>
+              <a:ext uri="{FF2B5EF4-FFF2-40B4-BE49-F238E27FC236}">
+                <a16:creationId xmlns:a16="http://schemas.microsoft.com/office/drawing/2014/main" id="{6C982F2C-AA68-4710-B87F-E3EFBDE5B513}"/>
+              </a:ext>
+            </a:extLst>
+          </p:cNvPr>
+          <p:cNvSpPr txBox="1"/>
+          <p:nvPr/>
+        </p:nvSpPr>
+        <p:spPr>
+          <a:xfrm>
+            <a:off x="416496" y="836712"/>
+            <a:ext cx="4536504" cy="373885"/>
+          </a:xfrm>
+          <a:prstGeom prst="rect">
+            <a:avLst/>
+          </a:prstGeom>
+          <a:ln w="28575">
+            <a:solidFill>
+              <a:schemeClr val="tx1"/>
+            </a:solidFill>
+          </a:ln>
+        </p:spPr>
+        <p:txBody>
+          <a:bodyPr wrap="square" rtlCol="0">
+            <a:spAutoFit/>
+          </a:bodyPr>
+          <a:lstStyle/>
           <a:p>
             <a:pPr>
               <a:lnSpc>
                 <a:spcPct val="150000"/>
               </a:lnSpc>
             </a:pPr>
-            <a:endParaRPr lang="en-US" altLang="ko-KR" sz="1400" b="1" dirty="0"/>
-          </a:p>
-          <a:p>
-            <a:pPr>
-              <a:lnSpc>
-                <a:spcPct val="150000"/>
-              </a:lnSpc>
-            </a:pPr>
+            <a:r>
+              <a:rPr lang="en-US" altLang="ko-KR" sz="1400" b="1" dirty="0"/>
+              <a:t>6.5.3 </a:t>
+            </a:r>
+            <a:r>
+              <a:rPr lang="en-US" altLang="ko-KR" sz="1400" b="1" dirty="0" err="1"/>
+              <a:t>System.IO.Directory</a:t>
+            </a:r>
+            <a:r>
+              <a:rPr lang="en-US" altLang="ko-KR" sz="1400" b="1" dirty="0"/>
+              <a:t> / </a:t>
+            </a:r>
+            <a:r>
+              <a:rPr lang="en-US" altLang="ko-KR" sz="1400" b="1" dirty="0" err="1"/>
+              <a:t>System.IO.DirectoryInfo</a:t>
+            </a:r>
             <a:endParaRPr lang="en-US" altLang="ko-KR" sz="1400" b="1" dirty="0"/>
           </a:p>
         </p:txBody>
@@ -12913,7 +13690,7 @@
     </p:spTree>
     <p:extLst>
       <p:ext uri="{BB962C8B-B14F-4D97-AF65-F5344CB8AC3E}">
-        <p14:creationId xmlns:p14="http://schemas.microsoft.com/office/powerpoint/2010/main" val="1058405260"/>
+        <p14:creationId xmlns:p14="http://schemas.microsoft.com/office/powerpoint/2010/main" val="3815743168"/>
       </p:ext>
     </p:extLst>
   </p:cSld>
@@ -17400,6 +18177,21 @@
 </file>
 
 <file path=customXml/item1.xml><?xml version="1.0" encoding="utf-8"?>
+<p:properties xmlns:p="http://schemas.microsoft.com/office/2006/metadata/properties" xmlns:xsi="http://www.w3.org/2001/XMLSchema-instance" xmlns:pc="http://schemas.microsoft.com/office/infopath/2007/PartnerControls">
+  <documentManagement/>
+</p:properties>
+</file>
+
+<file path=customXml/item2.xml><?xml version="1.0" encoding="utf-8"?>
+<?mso-contentType ?>
+<FormTemplates xmlns="http://schemas.microsoft.com/sharepoint/v3/contenttype/forms">
+  <Display>DocumentLibraryForm</Display>
+  <Edit>DocumentLibraryForm</Edit>
+  <New>DocumentLibraryForm</New>
+</FormTemplates>
+</file>
+
+<file path=customXml/item3.xml><?xml version="1.0" encoding="utf-8"?>
 <ct:contentTypeSchema xmlns:ct="http://schemas.microsoft.com/office/2006/metadata/contentType" xmlns:ma="http://schemas.microsoft.com/office/2006/metadata/properties/metaAttributes" ct:_="" ma:_="" ma:contentTypeName="문서" ma:contentTypeID="0x0101009E83431362FE4E479AFE784FA9188651" ma:contentTypeVersion="0" ma:contentTypeDescription="새 문서를 만듭니다." ma:contentTypeScope="" ma:versionID="8c3e47d44ebfc8c65f7d738e734783b1">
   <xsd:schema xmlns:xsd="http://www.w3.org/2001/XMLSchema" xmlns:xs="http://www.w3.org/2001/XMLSchema" xmlns:p="http://schemas.microsoft.com/office/2006/metadata/properties" targetNamespace="http://schemas.microsoft.com/office/2006/metadata/properties" ma:root="true" ma:fieldsID="dd8f6c9257034a6ffde9c3b3e5e5b894">
     <xsd:element name="properties">
@@ -17513,22 +18305,30 @@
 </ct:contentTypeSchema>
 </file>
 
-<file path=customXml/item2.xml><?xml version="1.0" encoding="utf-8"?>
-<?mso-contentType ?>
-<FormTemplates xmlns="http://schemas.microsoft.com/sharepoint/v3/contenttype/forms">
-  <Display>DocumentLibraryForm</Display>
-  <Edit>DocumentLibraryForm</Edit>
-  <New>DocumentLibraryForm</New>
-</FormTemplates>
+<file path=customXml/itemProps1.xml><?xml version="1.0" encoding="utf-8"?>
+<ds:datastoreItem xmlns:ds="http://schemas.openxmlformats.org/officeDocument/2006/customXml" ds:itemID="{F690C689-3919-4FAB-A032-F7730DDB613A}">
+  <ds:schemaRefs>
+    <ds:schemaRef ds:uri="http://purl.org/dc/elements/1.1/"/>
+    <ds:schemaRef ds:uri="http://schemas.microsoft.com/office/2006/documentManagement/types"/>
+    <ds:schemaRef ds:uri="http://schemas.microsoft.com/office/infopath/2007/PartnerControls"/>
+    <ds:schemaRef ds:uri="http://schemas.microsoft.com/office/2006/metadata/properties"/>
+    <ds:schemaRef ds:uri="http://purl.org/dc/terms/"/>
+    <ds:schemaRef ds:uri="http://purl.org/dc/dcmitype/"/>
+    <ds:schemaRef ds:uri="http://schemas.openxmlformats.org/package/2006/metadata/core-properties"/>
+    <ds:schemaRef ds:uri="http://www.w3.org/XML/1998/namespace"/>
+  </ds:schemaRefs>
+</ds:datastoreItem>
 </file>
 
-<file path=customXml/item3.xml><?xml version="1.0" encoding="utf-8"?>
-<p:properties xmlns:p="http://schemas.microsoft.com/office/2006/metadata/properties" xmlns:xsi="http://www.w3.org/2001/XMLSchema-instance" xmlns:pc="http://schemas.microsoft.com/office/infopath/2007/PartnerControls">
-  <documentManagement/>
-</p:properties>
+<file path=customXml/itemProps2.xml><?xml version="1.0" encoding="utf-8"?>
+<ds:datastoreItem xmlns:ds="http://schemas.openxmlformats.org/officeDocument/2006/customXml" ds:itemID="{DB0449EB-AB12-46ED-B1D5-5ADE30ED81CF}">
+  <ds:schemaRefs>
+    <ds:schemaRef ds:uri="http://schemas.microsoft.com/sharepoint/v3/contenttype/forms"/>
+  </ds:schemaRefs>
+</ds:datastoreItem>
 </file>
 
-<file path=customXml/itemProps1.xml><?xml version="1.0" encoding="utf-8"?>
+<file path=customXml/itemProps3.xml><?xml version="1.0" encoding="utf-8"?>
 <ds:datastoreItem xmlns:ds="http://schemas.openxmlformats.org/officeDocument/2006/customXml" ds:itemID="{523B2C53-46AC-4194-BE77-B01686A95413}">
   <ds:schemaRefs>
     <ds:schemaRef ds:uri="http://schemas.microsoft.com/office/2006/metadata/contentType"/>
@@ -17542,27 +18342,4 @@
     <ds:schemaRef ds:uri="http://schemas.microsoft.com/office/infopath/2007/PartnerControls"/>
   </ds:schemaRefs>
 </ds:datastoreItem>
-</file>
-
-<file path=customXml/itemProps2.xml><?xml version="1.0" encoding="utf-8"?>
-<ds:datastoreItem xmlns:ds="http://schemas.openxmlformats.org/officeDocument/2006/customXml" ds:itemID="{DB0449EB-AB12-46ED-B1D5-5ADE30ED81CF}">
-  <ds:schemaRefs>
-    <ds:schemaRef ds:uri="http://schemas.microsoft.com/sharepoint/v3/contenttype/forms"/>
-  </ds:schemaRefs>
-</ds:datastoreItem>
-</file>
-
-<file path=customXml/itemProps3.xml><?xml version="1.0" encoding="utf-8"?>
-<ds:datastoreItem xmlns:ds="http://schemas.openxmlformats.org/officeDocument/2006/customXml" ds:itemID="{F690C689-3919-4FAB-A032-F7730DDB613A}">
-  <ds:schemaRefs>
-    <ds:schemaRef ds:uri="http://purl.org/dc/elements/1.1/"/>
-    <ds:schemaRef ds:uri="http://schemas.microsoft.com/office/2006/documentManagement/types"/>
-    <ds:schemaRef ds:uri="http://schemas.microsoft.com/office/infopath/2007/PartnerControls"/>
-    <ds:schemaRef ds:uri="http://schemas.microsoft.com/office/2006/metadata/properties"/>
-    <ds:schemaRef ds:uri="http://purl.org/dc/terms/"/>
-    <ds:schemaRef ds:uri="http://purl.org/dc/dcmitype/"/>
-    <ds:schemaRef ds:uri="http://schemas.openxmlformats.org/package/2006/metadata/core-properties"/>
-    <ds:schemaRef ds:uri="http://www.w3.org/XML/1998/namespace"/>
-  </ds:schemaRefs>
-</ds:datastoreItem>
 </file>
--- a/CSharpStudy.Day20200704/Base Class Library.pptx
+++ b/CSharpStudy.Day20200704/Base Class Library.pptx
@@ -5,7 +5,7 @@
     <p:sldMasterId id="2147483648" r:id="rId4"/>
   </p:sldMasterIdLst>
   <p:notesMasterIdLst>
-    <p:notesMasterId r:id="rId18"/>
+    <p:notesMasterId r:id="rId20"/>
   </p:notesMasterIdLst>
   <p:sldIdLst>
     <p:sldId id="272" r:id="rId5"/>
@@ -21,6 +21,8 @@
     <p:sldId id="307" r:id="rId15"/>
     <p:sldId id="308" r:id="rId16"/>
     <p:sldId id="309" r:id="rId17"/>
+    <p:sldId id="310" r:id="rId18"/>
+    <p:sldId id="311" r:id="rId19"/>
   </p:sldIdLst>
   <p:sldSz cx="9906000" cy="6858000" type="A4"/>
   <p:notesSz cx="6797675" cy="9926638"/>
@@ -13512,7 +13514,7 @@
         <p:spPr>
           <a:xfrm>
             <a:off x="416496" y="1205644"/>
-            <a:ext cx="9073008" cy="3928704"/>
+            <a:ext cx="9073008" cy="4898200"/>
           </a:xfrm>
           <a:prstGeom prst="rect">
             <a:avLst/>
@@ -13543,9 +13545,53 @@
               </a:lnSpc>
             </a:pPr>
             <a:r>
-              <a:rPr lang="en-US" altLang="ko-KR" sz="1400" b="1"/>
+              <a:rPr lang="en-US" altLang="ko-KR" sz="1400" b="1" dirty="0"/>
               <a:t> </a:t>
             </a:r>
+            <a:r>
+              <a:rPr lang="en-US" altLang="ko-KR" sz="1400" b="1" dirty="0" err="1"/>
+              <a:t>EveryThing</a:t>
+            </a:r>
+            <a:r>
+              <a:rPr lang="en-US" altLang="ko-KR" sz="1400" b="1" dirty="0"/>
+              <a:t> </a:t>
+            </a:r>
+            <a:r>
+              <a:rPr lang="ko-KR" altLang="en-US" sz="1400" b="1" dirty="0"/>
+              <a:t>프로그램</a:t>
+            </a:r>
+            <a:endParaRPr lang="en-US" altLang="ko-KR" sz="1400" b="1" dirty="0"/>
+          </a:p>
+          <a:p>
+            <a:pPr>
+              <a:lnSpc>
+                <a:spcPct val="150000"/>
+              </a:lnSpc>
+            </a:pPr>
+            <a:endParaRPr lang="en-US" altLang="ko-KR" sz="1400" b="1" dirty="0"/>
+          </a:p>
+          <a:p>
+            <a:pPr>
+              <a:lnSpc>
+                <a:spcPct val="150000"/>
+              </a:lnSpc>
+            </a:pPr>
+            <a:r>
+              <a:rPr lang="en-US" altLang="ko-KR" sz="1400" b="1" dirty="0"/>
+              <a:t> </a:t>
+            </a:r>
+            <a:r>
+              <a:rPr lang="ko-KR" altLang="en-US" sz="1400" b="1" dirty="0"/>
+              <a:t>와일드카드 예</a:t>
+            </a:r>
+            <a:endParaRPr lang="en-US" altLang="ko-KR" sz="1400" b="1" dirty="0"/>
+          </a:p>
+          <a:p>
+            <a:pPr>
+              <a:lnSpc>
+                <a:spcPct val="150000"/>
+              </a:lnSpc>
+            </a:pPr>
             <a:endParaRPr lang="en-US" altLang="ko-KR" sz="1400" b="1" dirty="0"/>
           </a:p>
           <a:p>
@@ -13687,10 +13733,1814 @@
           </a:p>
         </p:txBody>
       </p:sp>
+      <p:graphicFrame>
+        <p:nvGraphicFramePr>
+          <p:cNvPr id="7" name="표 6">
+            <a:extLst>
+              <a:ext uri="{FF2B5EF4-FFF2-40B4-BE49-F238E27FC236}">
+                <a16:creationId xmlns:a16="http://schemas.microsoft.com/office/drawing/2014/main" id="{7CD1E8A6-6793-4E38-ADDF-E86F98606DFE}"/>
+              </a:ext>
+            </a:extLst>
+          </p:cNvPr>
+          <p:cNvGraphicFramePr>
+            <a:graphicFrameLocks noGrp="1"/>
+          </p:cNvGraphicFramePr>
+          <p:nvPr>
+            <p:extLst>
+              <p:ext uri="{D42A27DB-BD31-4B8C-83A1-F6EECF244321}">
+                <p14:modId xmlns:p14="http://schemas.microsoft.com/office/powerpoint/2010/main" val="3294843032"/>
+              </p:ext>
+            </p:extLst>
+          </p:nvPr>
+        </p:nvGraphicFramePr>
+        <p:xfrm>
+          <a:off x="560512" y="2564904"/>
+          <a:ext cx="8640960" cy="2951480"/>
+        </p:xfrm>
+        <a:graphic>
+          <a:graphicData uri="http://schemas.openxmlformats.org/drawingml/2006/table">
+            <a:tbl>
+              <a:tblPr firstRow="1" bandRow="1">
+                <a:tableStyleId>{5C22544A-7EE6-4342-B048-85BDC9FD1C3A}</a:tableStyleId>
+              </a:tblPr>
+              <a:tblGrid>
+                <a:gridCol w="1800200">
+                  <a:extLst>
+                    <a:ext uri="{9D8B030D-6E8A-4147-A177-3AD203B41FA5}">
+                      <a16:colId xmlns:a16="http://schemas.microsoft.com/office/drawing/2014/main" val="291774303"/>
+                    </a:ext>
+                  </a:extLst>
+                </a:gridCol>
+                <a:gridCol w="5328592">
+                  <a:extLst>
+                    <a:ext uri="{9D8B030D-6E8A-4147-A177-3AD203B41FA5}">
+                      <a16:colId xmlns:a16="http://schemas.microsoft.com/office/drawing/2014/main" val="1371080555"/>
+                    </a:ext>
+                  </a:extLst>
+                </a:gridCol>
+                <a:gridCol w="1512168">
+                  <a:extLst>
+                    <a:ext uri="{9D8B030D-6E8A-4147-A177-3AD203B41FA5}">
+                      <a16:colId xmlns:a16="http://schemas.microsoft.com/office/drawing/2014/main" val="577137164"/>
+                    </a:ext>
+                  </a:extLst>
+                </a:gridCol>
+              </a:tblGrid>
+              <a:tr h="370840">
+                <a:tc>
+                  <a:txBody>
+                    <a:bodyPr/>
+                    <a:lstStyle/>
+                    <a:p>
+                      <a:pPr latinLnBrk="1"/>
+                      <a:r>
+                        <a:rPr lang="ko-KR" altLang="en-US" sz="1400" b="1" dirty="0"/>
+                        <a:t>문자열</a:t>
+                      </a:r>
+                    </a:p>
+                  </a:txBody>
+                  <a:tcPr/>
+                </a:tc>
+                <a:tc>
+                  <a:txBody>
+                    <a:bodyPr/>
+                    <a:lstStyle/>
+                    <a:p>
+                      <a:pPr latinLnBrk="1"/>
+                      <a:r>
+                        <a:rPr lang="ko-KR" altLang="en-US" sz="1400" b="1" dirty="0"/>
+                        <a:t>의미</a:t>
+                      </a:r>
+                    </a:p>
+                  </a:txBody>
+                  <a:tcPr/>
+                </a:tc>
+                <a:tc>
+                  <a:txBody>
+                    <a:bodyPr/>
+                    <a:lstStyle/>
+                    <a:p>
+                      <a:pPr latinLnBrk="1"/>
+                      <a:r>
+                        <a:rPr lang="ko-KR" altLang="en-US" sz="1400" b="1" dirty="0"/>
+                        <a:t>사례</a:t>
+                      </a:r>
+                    </a:p>
+                  </a:txBody>
+                  <a:tcPr/>
+                </a:tc>
+                <a:extLst>
+                  <a:ext uri="{0D108BD9-81ED-4DB2-BD59-A6C34878D82A}">
+                    <a16:rowId xmlns:a16="http://schemas.microsoft.com/office/drawing/2014/main" val="1980307682"/>
+                  </a:ext>
+                </a:extLst>
+              </a:tr>
+              <a:tr h="370840">
+                <a:tc>
+                  <a:txBody>
+                    <a:bodyPr/>
+                    <a:lstStyle/>
+                    <a:p>
+                      <a:pPr latinLnBrk="1"/>
+                      <a:r>
+                        <a:rPr lang="en-US" altLang="ko-KR" sz="1100" b="1" dirty="0"/>
+                        <a:t>net*.*</a:t>
+                      </a:r>
+                      <a:endParaRPr lang="ko-KR" altLang="en-US" sz="1100" b="1" dirty="0"/>
+                    </a:p>
+                  </a:txBody>
+                  <a:tcPr/>
+                </a:tc>
+                <a:tc>
+                  <a:txBody>
+                    <a:bodyPr/>
+                    <a:lstStyle/>
+                    <a:p>
+                      <a:pPr latinLnBrk="1"/>
+                      <a:r>
+                        <a:rPr lang="ko-KR" altLang="en-US" sz="1100" b="0" dirty="0"/>
+                        <a:t>확장자는 상관없고</a:t>
+                      </a:r>
+                      <a:r>
+                        <a:rPr lang="en-US" altLang="ko-KR" sz="1100" b="0" dirty="0"/>
+                        <a:t>, </a:t>
+                      </a:r>
+                      <a:r>
+                        <a:rPr lang="ko-KR" altLang="en-US" sz="1100" b="0" dirty="0"/>
+                        <a:t>파일명이 </a:t>
+                      </a:r>
+                      <a:r>
+                        <a:rPr lang="en-US" altLang="ko-KR" sz="1100" b="0" dirty="0"/>
+                        <a:t>“net:</a:t>
+                      </a:r>
+                      <a:r>
+                        <a:rPr lang="ko-KR" altLang="en-US" sz="1100" b="0" dirty="0"/>
+                        <a:t>으로 시작하는 모든 파일</a:t>
+                      </a:r>
+                    </a:p>
+                  </a:txBody>
+                  <a:tcPr/>
+                </a:tc>
+                <a:tc>
+                  <a:txBody>
+                    <a:bodyPr/>
+                    <a:lstStyle/>
+                    <a:p>
+                      <a:pPr latinLnBrk="1"/>
+                      <a:r>
+                        <a:rPr lang="en-US" altLang="ko-KR" sz="1100" b="0" dirty="0"/>
+                        <a:t>netFramework.dll</a:t>
+                      </a:r>
+                    </a:p>
+                    <a:p>
+                      <a:pPr latinLnBrk="1"/>
+                      <a:r>
+                        <a:rPr lang="en-US" altLang="ko-KR" sz="1100" b="0" dirty="0"/>
+                        <a:t>net_.dat</a:t>
+                      </a:r>
+                    </a:p>
+                    <a:p>
+                      <a:pPr latinLnBrk="1"/>
+                      <a:r>
+                        <a:rPr lang="en-US" altLang="ko-KR" sz="1100" b="0" dirty="0"/>
+                        <a:t>netTest.exe</a:t>
+                      </a:r>
+                      <a:endParaRPr lang="ko-KR" altLang="en-US" sz="1100" b="0" dirty="0"/>
+                    </a:p>
+                  </a:txBody>
+                  <a:tcPr/>
+                </a:tc>
+                <a:extLst>
+                  <a:ext uri="{0D108BD9-81ED-4DB2-BD59-A6C34878D82A}">
+                    <a16:rowId xmlns:a16="http://schemas.microsoft.com/office/drawing/2014/main" val="471431531"/>
+                  </a:ext>
+                </a:extLst>
+              </a:tr>
+              <a:tr h="370840">
+                <a:tc>
+                  <a:txBody>
+                    <a:bodyPr/>
+                    <a:lstStyle/>
+                    <a:p>
+                      <a:pPr latinLnBrk="1"/>
+                      <a:r>
+                        <a:rPr lang="en-US" altLang="ko-KR" sz="1100" b="1" dirty="0"/>
+                        <a:t>net?.*</a:t>
+                      </a:r>
+                      <a:endParaRPr lang="ko-KR" altLang="en-US" sz="1100" b="1" dirty="0"/>
+                    </a:p>
+                  </a:txBody>
+                  <a:tcPr/>
+                </a:tc>
+                <a:tc>
+                  <a:txBody>
+                    <a:bodyPr/>
+                    <a:lstStyle/>
+                    <a:p>
+                      <a:pPr latinLnBrk="1"/>
+                      <a:r>
+                        <a:rPr lang="ko-KR" altLang="en-US" sz="1100" b="0" dirty="0"/>
+                        <a:t>확장자는 상관없고</a:t>
+                      </a:r>
+                      <a:r>
+                        <a:rPr lang="en-US" altLang="ko-KR" sz="1100" b="0" dirty="0"/>
+                        <a:t>, “net”</a:t>
+                      </a:r>
+                      <a:r>
+                        <a:rPr lang="ko-KR" altLang="en-US" sz="1100" b="0" dirty="0"/>
+                        <a:t>으로 시작하는 총 </a:t>
+                      </a:r>
+                      <a:r>
+                        <a:rPr lang="en-US" altLang="ko-KR" sz="1100" b="0" dirty="0"/>
+                        <a:t>4</a:t>
+                      </a:r>
+                      <a:r>
+                        <a:rPr lang="ko-KR" altLang="en-US" sz="1100" b="0" dirty="0"/>
+                        <a:t>글자로 된 파일명을 가진 모든 파일</a:t>
+                      </a:r>
+                    </a:p>
+                  </a:txBody>
+                  <a:tcPr/>
+                </a:tc>
+                <a:tc>
+                  <a:txBody>
+                    <a:bodyPr/>
+                    <a:lstStyle/>
+                    <a:p>
+                      <a:pPr latinLnBrk="1"/>
+                      <a:r>
+                        <a:rPr lang="en-US" altLang="ko-KR" sz="1100" b="0" dirty="0"/>
+                        <a:t>net1.dll</a:t>
+                      </a:r>
+                    </a:p>
+                    <a:p>
+                      <a:pPr latinLnBrk="1"/>
+                      <a:r>
+                        <a:rPr lang="en-US" altLang="ko-KR" sz="1100" b="0" dirty="0" err="1"/>
+                        <a:t>net_exe</a:t>
+                      </a:r>
+                      <a:endParaRPr lang="en-US" altLang="ko-KR" sz="1100" b="0" dirty="0"/>
+                    </a:p>
+                    <a:p>
+                      <a:pPr latinLnBrk="1"/>
+                      <a:r>
+                        <a:rPr lang="en-US" altLang="ko-KR" sz="1100" b="0" dirty="0"/>
+                        <a:t>netp.dat</a:t>
+                      </a:r>
+                      <a:endParaRPr lang="ko-KR" altLang="en-US" sz="1100" b="0" dirty="0"/>
+                    </a:p>
+                  </a:txBody>
+                  <a:tcPr/>
+                </a:tc>
+                <a:extLst>
+                  <a:ext uri="{0D108BD9-81ED-4DB2-BD59-A6C34878D82A}">
+                    <a16:rowId xmlns:a16="http://schemas.microsoft.com/office/drawing/2014/main" val="2091468123"/>
+                  </a:ext>
+                </a:extLst>
+              </a:tr>
+              <a:tr h="370840">
+                <a:tc>
+                  <a:txBody>
+                    <a:bodyPr/>
+                    <a:lstStyle/>
+                    <a:p>
+                      <a:pPr latinLnBrk="1"/>
+                      <a:r>
+                        <a:rPr lang="en-US" altLang="ko-KR" sz="1100" b="1" dirty="0"/>
+                        <a:t>???.</a:t>
+                      </a:r>
+                      <a:r>
+                        <a:rPr lang="en-US" altLang="ko-KR" sz="1100" b="1" dirty="0" err="1"/>
+                        <a:t>dll</a:t>
+                      </a:r>
+                      <a:endParaRPr lang="ko-KR" altLang="en-US" sz="1100" b="1" dirty="0"/>
+                    </a:p>
+                  </a:txBody>
+                  <a:tcPr/>
+                </a:tc>
+                <a:tc>
+                  <a:txBody>
+                    <a:bodyPr/>
+                    <a:lstStyle/>
+                    <a:p>
+                      <a:pPr latinLnBrk="1"/>
+                      <a:r>
+                        <a:rPr lang="ko-KR" altLang="en-US" sz="1100" b="0" dirty="0"/>
+                        <a:t>확장자가 </a:t>
+                      </a:r>
+                      <a:r>
+                        <a:rPr lang="en-US" altLang="ko-KR" sz="1100" b="0" dirty="0"/>
+                        <a:t>DLL</a:t>
+                      </a:r>
+                      <a:r>
+                        <a:rPr lang="ko-KR" altLang="en-US" sz="1100" b="0" dirty="0"/>
+                        <a:t>이고</a:t>
+                      </a:r>
+                      <a:r>
+                        <a:rPr lang="en-US" altLang="ko-KR" sz="1100" b="0" dirty="0"/>
+                        <a:t>, </a:t>
+                      </a:r>
+                      <a:r>
+                        <a:rPr lang="ko-KR" altLang="en-US" sz="1100" b="0" dirty="0"/>
+                        <a:t>파일명이 </a:t>
+                      </a:r>
+                      <a:r>
+                        <a:rPr lang="en-US" altLang="ko-KR" sz="1100" b="0" dirty="0"/>
+                        <a:t>3</a:t>
+                      </a:r>
+                      <a:r>
+                        <a:rPr lang="ko-KR" altLang="en-US" sz="1100" b="0" dirty="0"/>
+                        <a:t>글자인 모든 파일</a:t>
+                      </a:r>
+                    </a:p>
+                  </a:txBody>
+                  <a:tcPr/>
+                </a:tc>
+                <a:tc>
+                  <a:txBody>
+                    <a:bodyPr/>
+                    <a:lstStyle/>
+                    <a:p>
+                      <a:pPr latinLnBrk="1"/>
+                      <a:r>
+                        <a:rPr lang="en-US" altLang="ko-KR" sz="1100" b="0" dirty="0"/>
+                        <a:t>tes.dll</a:t>
+                      </a:r>
+                    </a:p>
+                    <a:p>
+                      <a:pPr latinLnBrk="1"/>
+                      <a:r>
+                        <a:rPr lang="en-US" altLang="ko-KR" sz="1100" b="0" dirty="0"/>
+                        <a:t>fra.dat</a:t>
+                      </a:r>
+                    </a:p>
+                    <a:p>
+                      <a:pPr latinLnBrk="1"/>
+                      <a:r>
+                        <a:rPr lang="en-US" altLang="ko-KR" sz="1100" b="0" dirty="0"/>
+                        <a:t>kor.res</a:t>
+                      </a:r>
+                      <a:endParaRPr lang="ko-KR" altLang="en-US" sz="1100" b="0" dirty="0"/>
+                    </a:p>
+                  </a:txBody>
+                  <a:tcPr/>
+                </a:tc>
+                <a:extLst>
+                  <a:ext uri="{0D108BD9-81ED-4DB2-BD59-A6C34878D82A}">
+                    <a16:rowId xmlns:a16="http://schemas.microsoft.com/office/drawing/2014/main" val="1878504918"/>
+                  </a:ext>
+                </a:extLst>
+              </a:tr>
+              <a:tr h="370840">
+                <a:tc>
+                  <a:txBody>
+                    <a:bodyPr/>
+                    <a:lstStyle/>
+                    <a:p>
+                      <a:pPr latinLnBrk="1"/>
+                      <a:r>
+                        <a:rPr lang="en-US" altLang="ko-KR" sz="1100" b="1" dirty="0"/>
+                        <a:t>*.</a:t>
+                      </a:r>
+                      <a:endParaRPr lang="ko-KR" altLang="en-US" sz="1100" b="1" dirty="0"/>
+                    </a:p>
+                  </a:txBody>
+                  <a:tcPr/>
+                </a:tc>
+                <a:tc>
+                  <a:txBody>
+                    <a:bodyPr/>
+                    <a:lstStyle/>
+                    <a:p>
+                      <a:pPr latinLnBrk="1"/>
+                      <a:r>
+                        <a:rPr lang="ko-KR" altLang="en-US" sz="1100" b="0" dirty="0"/>
+                        <a:t>확장자가 없는 모든 파일</a:t>
+                      </a:r>
+                      <a:endParaRPr lang="en-US" altLang="ko-KR" sz="1100" b="0" dirty="0"/>
+                    </a:p>
+                  </a:txBody>
+                  <a:tcPr/>
+                </a:tc>
+                <a:tc>
+                  <a:txBody>
+                    <a:bodyPr/>
+                    <a:lstStyle/>
+                    <a:p>
+                      <a:pPr latinLnBrk="1"/>
+                      <a:r>
+                        <a:rPr lang="en-US" altLang="ko-KR" sz="1100" b="0" dirty="0" err="1"/>
+                        <a:t>netfx</a:t>
+                      </a:r>
+                      <a:endParaRPr lang="en-US" altLang="ko-KR" sz="1100" b="0" dirty="0"/>
+                    </a:p>
+                  </a:txBody>
+                  <a:tcPr/>
+                </a:tc>
+                <a:extLst>
+                  <a:ext uri="{0D108BD9-81ED-4DB2-BD59-A6C34878D82A}">
+                    <a16:rowId xmlns:a16="http://schemas.microsoft.com/office/drawing/2014/main" val="2891439048"/>
+                  </a:ext>
+                </a:extLst>
+              </a:tr>
+              <a:tr h="370840">
+                <a:tc>
+                  <a:txBody>
+                    <a:bodyPr/>
+                    <a:lstStyle/>
+                    <a:p>
+                      <a:pPr latinLnBrk="1"/>
+                      <a:r>
+                        <a:rPr lang="en-US" altLang="ko-KR" sz="1100" b="1" dirty="0"/>
+                        <a:t>*script.*</a:t>
+                      </a:r>
+                      <a:endParaRPr lang="ko-KR" altLang="en-US" sz="1100" b="1" dirty="0"/>
+                    </a:p>
+                  </a:txBody>
+                  <a:tcPr/>
+                </a:tc>
+                <a:tc>
+                  <a:txBody>
+                    <a:bodyPr/>
+                    <a:lstStyle/>
+                    <a:p>
+                      <a:pPr latinLnBrk="1"/>
+                      <a:r>
+                        <a:rPr lang="ko-KR" altLang="en-US" sz="1100" b="0" dirty="0"/>
+                        <a:t>확장자는 상관없고</a:t>
+                      </a:r>
+                      <a:r>
+                        <a:rPr lang="en-US" altLang="ko-KR" sz="1100" b="0" dirty="0"/>
+                        <a:t>, </a:t>
+                      </a:r>
+                      <a:r>
+                        <a:rPr lang="ko-KR" altLang="en-US" sz="1100" b="0" dirty="0"/>
+                        <a:t>파일명이 </a:t>
+                      </a:r>
+                      <a:r>
+                        <a:rPr lang="en-US" altLang="ko-KR" sz="1100" b="0" dirty="0"/>
+                        <a:t>script</a:t>
+                      </a:r>
+                      <a:r>
+                        <a:rPr lang="ko-KR" altLang="en-US" sz="1100" b="0" dirty="0"/>
+                        <a:t>로 끝나는 모든 파일</a:t>
+                      </a:r>
+                      <a:endParaRPr lang="en-US" altLang="ko-KR" sz="1100" b="0" dirty="0"/>
+                    </a:p>
+                  </a:txBody>
+                  <a:tcPr/>
+                </a:tc>
+                <a:tc>
+                  <a:txBody>
+                    <a:bodyPr/>
+                    <a:lstStyle/>
+                    <a:p>
+                      <a:pPr latinLnBrk="1"/>
+                      <a:r>
+                        <a:rPr lang="en-US" altLang="ko-KR" sz="1100" b="0" dirty="0"/>
+                        <a:t>Mirosoft.JScript.dll</a:t>
+                      </a:r>
+                    </a:p>
+                    <a:p>
+                      <a:pPr latinLnBrk="1"/>
+                      <a:r>
+                        <a:rPr lang="en-US" altLang="ko-KR" sz="1100" b="0" dirty="0"/>
+                        <a:t>VBScript.dll</a:t>
+                      </a:r>
+                    </a:p>
+                  </a:txBody>
+                  <a:tcPr/>
+                </a:tc>
+                <a:extLst>
+                  <a:ext uri="{0D108BD9-81ED-4DB2-BD59-A6C34878D82A}">
+                    <a16:rowId xmlns:a16="http://schemas.microsoft.com/office/drawing/2014/main" val="2687317138"/>
+                  </a:ext>
+                </a:extLst>
+              </a:tr>
+            </a:tbl>
+          </a:graphicData>
+        </a:graphic>
+      </p:graphicFrame>
     </p:spTree>
     <p:extLst>
       <p:ext uri="{BB962C8B-B14F-4D97-AF65-F5344CB8AC3E}">
         <p14:creationId xmlns:p14="http://schemas.microsoft.com/office/powerpoint/2010/main" val="3815743168"/>
+      </p:ext>
+    </p:extLst>
+  </p:cSld>
+  <p:clrMapOvr>
+    <a:masterClrMapping/>
+  </p:clrMapOvr>
+</p:sld>
+</file>
+
+<file path=ppt/slides/slide14.xml><?xml version="1.0" encoding="utf-8"?>
+<p:sld xmlns:a="http://schemas.openxmlformats.org/drawingml/2006/main" xmlns:r="http://schemas.openxmlformats.org/officeDocument/2006/relationships" xmlns:p="http://schemas.openxmlformats.org/presentationml/2006/main">
+  <p:cSld>
+    <p:spTree>
+      <p:nvGrpSpPr>
+        <p:cNvPr id="1" name=""/>
+        <p:cNvGrpSpPr/>
+        <p:nvPr/>
+      </p:nvGrpSpPr>
+      <p:grpSpPr>
+        <a:xfrm>
+          <a:off x="0" y="0"/>
+          <a:ext cx="0" cy="0"/>
+          <a:chOff x="0" y="0"/>
+          <a:chExt cx="0" cy="0"/>
+        </a:xfrm>
+      </p:grpSpPr>
+      <p:sp>
+        <p:nvSpPr>
+          <p:cNvPr id="2" name="제목 1"/>
+          <p:cNvSpPr>
+            <a:spLocks noGrp="1"/>
+          </p:cNvSpPr>
+          <p:nvPr>
+            <p:ph type="title"/>
+          </p:nvPr>
+        </p:nvSpPr>
+        <p:spPr/>
+        <p:txBody>
+          <a:bodyPr/>
+          <a:lstStyle/>
+          <a:p>
+            <a:r>
+              <a:rPr lang="en-US" altLang="ko-KR" dirty="0"/>
+              <a:t>Base</a:t>
+            </a:r>
+            <a:r>
+              <a:rPr lang="ko-KR" altLang="en-US" dirty="0"/>
+              <a:t> </a:t>
+            </a:r>
+            <a:r>
+              <a:rPr lang="en-US" altLang="ko-KR" dirty="0"/>
+              <a:t>Class Library</a:t>
+            </a:r>
+            <a:endParaRPr lang="ko-KR" altLang="en-US" dirty="0"/>
+          </a:p>
+        </p:txBody>
+      </p:sp>
+      <p:sp>
+        <p:nvSpPr>
+          <p:cNvPr id="3" name="텍스트 개체 틀 2"/>
+          <p:cNvSpPr>
+            <a:spLocks noGrp="1"/>
+          </p:cNvSpPr>
+          <p:nvPr>
+            <p:ph type="body" sz="quarter" idx="12"/>
+          </p:nvPr>
+        </p:nvSpPr>
+        <p:spPr/>
+        <p:txBody>
+          <a:bodyPr/>
+          <a:lstStyle/>
+          <a:p>
+            <a:r>
+              <a:rPr lang="ko-KR" altLang="en-US" dirty="0"/>
+              <a:t>이바우</a:t>
+            </a:r>
+          </a:p>
+        </p:txBody>
+      </p:sp>
+      <p:sp>
+        <p:nvSpPr>
+          <p:cNvPr id="5" name="TextBox 4">
+            <a:extLst>
+              <a:ext uri="{FF2B5EF4-FFF2-40B4-BE49-F238E27FC236}">
+                <a16:creationId xmlns:a16="http://schemas.microsoft.com/office/drawing/2014/main" id="{3E380147-310D-4726-B4FD-EA889EB13697}"/>
+              </a:ext>
+            </a:extLst>
+          </p:cNvPr>
+          <p:cNvSpPr txBox="1"/>
+          <p:nvPr/>
+        </p:nvSpPr>
+        <p:spPr>
+          <a:xfrm>
+            <a:off x="416496" y="1205644"/>
+            <a:ext cx="9073008" cy="4898200"/>
+          </a:xfrm>
+          <a:prstGeom prst="rect">
+            <a:avLst/>
+          </a:prstGeom>
+          <a:ln w="28575">
+            <a:solidFill>
+              <a:schemeClr val="tx1"/>
+            </a:solidFill>
+          </a:ln>
+        </p:spPr>
+        <p:txBody>
+          <a:bodyPr wrap="square" rtlCol="0">
+            <a:spAutoFit/>
+          </a:bodyPr>
+          <a:lstStyle/>
+          <a:p>
+            <a:pPr>
+              <a:lnSpc>
+                <a:spcPct val="150000"/>
+              </a:lnSpc>
+            </a:pPr>
+            <a:endParaRPr lang="en-US" altLang="ko-KR" sz="1400" b="1" dirty="0"/>
+          </a:p>
+          <a:p>
+            <a:pPr>
+              <a:lnSpc>
+                <a:spcPct val="150000"/>
+              </a:lnSpc>
+            </a:pPr>
+            <a:r>
+              <a:rPr lang="en-US" altLang="ko-KR" sz="1400" b="1" dirty="0"/>
+              <a:t> Path </a:t>
+            </a:r>
+            <a:r>
+              <a:rPr lang="ko-KR" altLang="en-US" sz="1400" b="1" dirty="0"/>
+              <a:t>타입은 파일 경로와 관련해서 유용한 정적 메서드 제공</a:t>
+            </a:r>
+            <a:endParaRPr lang="en-US" altLang="ko-KR" sz="1400" b="1" dirty="0"/>
+          </a:p>
+          <a:p>
+            <a:pPr>
+              <a:lnSpc>
+                <a:spcPct val="150000"/>
+              </a:lnSpc>
+            </a:pPr>
+            <a:endParaRPr lang="en-US" altLang="ko-KR" sz="1400" b="1" dirty="0"/>
+          </a:p>
+          <a:p>
+            <a:pPr>
+              <a:lnSpc>
+                <a:spcPct val="150000"/>
+              </a:lnSpc>
+            </a:pPr>
+            <a:r>
+              <a:rPr lang="en-US" altLang="ko-KR" sz="1400" b="1" dirty="0"/>
+              <a:t> Path </a:t>
+            </a:r>
+            <a:r>
+              <a:rPr lang="ko-KR" altLang="en-US" sz="1400" b="1" dirty="0"/>
+              <a:t>정적 메서드</a:t>
+            </a:r>
+            <a:endParaRPr lang="en-US" altLang="ko-KR" sz="1400" b="1" dirty="0"/>
+          </a:p>
+          <a:p>
+            <a:pPr>
+              <a:lnSpc>
+                <a:spcPct val="150000"/>
+              </a:lnSpc>
+            </a:pPr>
+            <a:endParaRPr lang="en-US" altLang="ko-KR" sz="1400" b="1" dirty="0"/>
+          </a:p>
+          <a:p>
+            <a:pPr>
+              <a:lnSpc>
+                <a:spcPct val="150000"/>
+              </a:lnSpc>
+            </a:pPr>
+            <a:endParaRPr lang="en-US" altLang="ko-KR" sz="1400" b="1" dirty="0"/>
+          </a:p>
+          <a:p>
+            <a:pPr>
+              <a:lnSpc>
+                <a:spcPct val="150000"/>
+              </a:lnSpc>
+            </a:pPr>
+            <a:endParaRPr lang="en-US" altLang="ko-KR" sz="1400" b="1" dirty="0"/>
+          </a:p>
+          <a:p>
+            <a:pPr>
+              <a:lnSpc>
+                <a:spcPct val="150000"/>
+              </a:lnSpc>
+            </a:pPr>
+            <a:endParaRPr lang="en-US" altLang="ko-KR" sz="1400" b="1" dirty="0"/>
+          </a:p>
+          <a:p>
+            <a:pPr>
+              <a:lnSpc>
+                <a:spcPct val="150000"/>
+              </a:lnSpc>
+            </a:pPr>
+            <a:endParaRPr lang="en-US" altLang="ko-KR" sz="1400" b="1" dirty="0"/>
+          </a:p>
+          <a:p>
+            <a:pPr>
+              <a:lnSpc>
+                <a:spcPct val="150000"/>
+              </a:lnSpc>
+            </a:pPr>
+            <a:endParaRPr lang="en-US" altLang="ko-KR" sz="1400" b="1" dirty="0"/>
+          </a:p>
+          <a:p>
+            <a:pPr>
+              <a:lnSpc>
+                <a:spcPct val="150000"/>
+              </a:lnSpc>
+            </a:pPr>
+            <a:endParaRPr lang="en-US" altLang="ko-KR" sz="1400" b="1" dirty="0"/>
+          </a:p>
+          <a:p>
+            <a:pPr>
+              <a:lnSpc>
+                <a:spcPct val="150000"/>
+              </a:lnSpc>
+            </a:pPr>
+            <a:endParaRPr lang="en-US" altLang="ko-KR" sz="1400" b="1" dirty="0"/>
+          </a:p>
+          <a:p>
+            <a:pPr>
+              <a:lnSpc>
+                <a:spcPct val="150000"/>
+              </a:lnSpc>
+            </a:pPr>
+            <a:endParaRPr lang="en-US" altLang="ko-KR" sz="1400" b="1" dirty="0"/>
+          </a:p>
+          <a:p>
+            <a:pPr>
+              <a:lnSpc>
+                <a:spcPct val="150000"/>
+              </a:lnSpc>
+            </a:pPr>
+            <a:endParaRPr lang="en-US" altLang="ko-KR" sz="1400" b="1" dirty="0"/>
+          </a:p>
+          <a:p>
+            <a:pPr>
+              <a:lnSpc>
+                <a:spcPct val="150000"/>
+              </a:lnSpc>
+            </a:pPr>
+            <a:endParaRPr lang="en-US" altLang="ko-KR" sz="1400" b="1" dirty="0"/>
+          </a:p>
+        </p:txBody>
+      </p:sp>
+      <p:sp>
+        <p:nvSpPr>
+          <p:cNvPr id="6" name="TextBox 5">
+            <a:extLst>
+              <a:ext uri="{FF2B5EF4-FFF2-40B4-BE49-F238E27FC236}">
+                <a16:creationId xmlns:a16="http://schemas.microsoft.com/office/drawing/2014/main" id="{6C982F2C-AA68-4710-B87F-E3EFBDE5B513}"/>
+              </a:ext>
+            </a:extLst>
+          </p:cNvPr>
+          <p:cNvSpPr txBox="1"/>
+          <p:nvPr/>
+        </p:nvSpPr>
+        <p:spPr>
+          <a:xfrm>
+            <a:off x="416496" y="836712"/>
+            <a:ext cx="2016224" cy="373885"/>
+          </a:xfrm>
+          <a:prstGeom prst="rect">
+            <a:avLst/>
+          </a:prstGeom>
+          <a:ln w="28575">
+            <a:solidFill>
+              <a:schemeClr val="tx1"/>
+            </a:solidFill>
+          </a:ln>
+        </p:spPr>
+        <p:txBody>
+          <a:bodyPr wrap="square" rtlCol="0">
+            <a:spAutoFit/>
+          </a:bodyPr>
+          <a:lstStyle/>
+          <a:p>
+            <a:pPr>
+              <a:lnSpc>
+                <a:spcPct val="150000"/>
+              </a:lnSpc>
+            </a:pPr>
+            <a:r>
+              <a:rPr lang="en-US" altLang="ko-KR" sz="1400" b="1" dirty="0"/>
+              <a:t>6.5.4 </a:t>
+            </a:r>
+            <a:r>
+              <a:rPr lang="en-US" altLang="ko-KR" sz="1400" b="1" dirty="0" err="1"/>
+              <a:t>System.IO.Path</a:t>
+            </a:r>
+            <a:endParaRPr lang="en-US" altLang="ko-KR" sz="1400" b="1" dirty="0"/>
+          </a:p>
+        </p:txBody>
+      </p:sp>
+      <p:graphicFrame>
+        <p:nvGraphicFramePr>
+          <p:cNvPr id="4" name="표 7">
+            <a:extLst>
+              <a:ext uri="{FF2B5EF4-FFF2-40B4-BE49-F238E27FC236}">
+                <a16:creationId xmlns:a16="http://schemas.microsoft.com/office/drawing/2014/main" id="{0BD63777-8632-4E81-81B6-CBFF5DED19E3}"/>
+              </a:ext>
+            </a:extLst>
+          </p:cNvPr>
+          <p:cNvGraphicFramePr>
+            <a:graphicFrameLocks noGrp="1"/>
+          </p:cNvGraphicFramePr>
+          <p:nvPr>
+            <p:extLst>
+              <p:ext uri="{D42A27DB-BD31-4B8C-83A1-F6EECF244321}">
+                <p14:modId xmlns:p14="http://schemas.microsoft.com/office/powerpoint/2010/main" val="790771140"/>
+              </p:ext>
+            </p:extLst>
+          </p:nvPr>
+        </p:nvGraphicFramePr>
+        <p:xfrm>
+          <a:off x="560512" y="2564904"/>
+          <a:ext cx="8640960" cy="3325042"/>
+        </p:xfrm>
+        <a:graphic>
+          <a:graphicData uri="http://schemas.openxmlformats.org/drawingml/2006/table">
+            <a:tbl>
+              <a:tblPr firstRow="1" bandRow="1">
+                <a:tableStyleId>{5C22544A-7EE6-4342-B048-85BDC9FD1C3A}</a:tableStyleId>
+              </a:tblPr>
+              <a:tblGrid>
+                <a:gridCol w="2664296">
+                  <a:extLst>
+                    <a:ext uri="{9D8B030D-6E8A-4147-A177-3AD203B41FA5}">
+                      <a16:colId xmlns:a16="http://schemas.microsoft.com/office/drawing/2014/main" val="3951926884"/>
+                    </a:ext>
+                  </a:extLst>
+                </a:gridCol>
+                <a:gridCol w="5976664">
+                  <a:extLst>
+                    <a:ext uri="{9D8B030D-6E8A-4147-A177-3AD203B41FA5}">
+                      <a16:colId xmlns:a16="http://schemas.microsoft.com/office/drawing/2014/main" val="3345788754"/>
+                    </a:ext>
+                  </a:extLst>
+                </a:gridCol>
+              </a:tblGrid>
+              <a:tr h="414046">
+                <a:tc>
+                  <a:txBody>
+                    <a:bodyPr/>
+                    <a:lstStyle/>
+                    <a:p>
+                      <a:pPr latinLnBrk="1"/>
+                      <a:r>
+                        <a:rPr lang="ko-KR" altLang="en-US" sz="1200" b="1" dirty="0"/>
+                        <a:t>정적 메서드</a:t>
+                      </a:r>
+                    </a:p>
+                  </a:txBody>
+                  <a:tcPr/>
+                </a:tc>
+                <a:tc>
+                  <a:txBody>
+                    <a:bodyPr/>
+                    <a:lstStyle/>
+                    <a:p>
+                      <a:pPr latinLnBrk="1"/>
+                      <a:r>
+                        <a:rPr lang="ko-KR" altLang="en-US" sz="1200" b="1" dirty="0"/>
+                        <a:t>설명</a:t>
+                      </a:r>
+                    </a:p>
+                  </a:txBody>
+                  <a:tcPr/>
+                </a:tc>
+                <a:extLst>
+                  <a:ext uri="{0D108BD9-81ED-4DB2-BD59-A6C34878D82A}">
+                    <a16:rowId xmlns:a16="http://schemas.microsoft.com/office/drawing/2014/main" val="593129558"/>
+                  </a:ext>
+                </a:extLst>
+              </a:tr>
+              <a:tr h="414046">
+                <a:tc>
+                  <a:txBody>
+                    <a:bodyPr/>
+                    <a:lstStyle/>
+                    <a:p>
+                      <a:pPr latinLnBrk="1"/>
+                      <a:r>
+                        <a:rPr lang="en-US" altLang="ko-KR" sz="1200" b="1" dirty="0" err="1"/>
+                        <a:t>ChangeExtension</a:t>
+                      </a:r>
+                      <a:endParaRPr lang="ko-KR" altLang="en-US" sz="1200" b="1" dirty="0"/>
+                    </a:p>
+                  </a:txBody>
+                  <a:tcPr/>
+                </a:tc>
+                <a:tc>
+                  <a:txBody>
+                    <a:bodyPr/>
+                    <a:lstStyle/>
+                    <a:p>
+                      <a:pPr latinLnBrk="1"/>
+                      <a:r>
+                        <a:rPr lang="ko-KR" altLang="en-US" sz="1100" dirty="0"/>
+                        <a:t>첫 번째 인자로 주어진 경로에서 확장자 부분을 두 번째 인자로 전달된 문자열로 바꿔준다</a:t>
+                      </a:r>
+                      <a:r>
+                        <a:rPr lang="en-US" altLang="ko-KR" sz="1100" dirty="0"/>
+                        <a:t>.</a:t>
+                      </a:r>
+                      <a:endParaRPr lang="ko-KR" altLang="en-US" sz="1100" dirty="0"/>
+                    </a:p>
+                  </a:txBody>
+                  <a:tcPr/>
+                </a:tc>
+                <a:extLst>
+                  <a:ext uri="{0D108BD9-81ED-4DB2-BD59-A6C34878D82A}">
+                    <a16:rowId xmlns:a16="http://schemas.microsoft.com/office/drawing/2014/main" val="3734701099"/>
+                  </a:ext>
+                </a:extLst>
+              </a:tr>
+              <a:tr h="414046">
+                <a:tc>
+                  <a:txBody>
+                    <a:bodyPr/>
+                    <a:lstStyle/>
+                    <a:p>
+                      <a:pPr latinLnBrk="1"/>
+                      <a:r>
+                        <a:rPr lang="en-US" altLang="ko-KR" sz="1200" b="1" dirty="0"/>
+                        <a:t>Combine</a:t>
+                      </a:r>
+                      <a:endParaRPr lang="ko-KR" altLang="en-US" sz="1200" b="1" dirty="0"/>
+                    </a:p>
+                  </a:txBody>
+                  <a:tcPr/>
+                </a:tc>
+                <a:tc>
+                  <a:txBody>
+                    <a:bodyPr/>
+                    <a:lstStyle/>
+                    <a:p>
+                      <a:pPr latinLnBrk="1"/>
+                      <a:r>
+                        <a:rPr lang="ko-KR" altLang="en-US" sz="1100" dirty="0"/>
+                        <a:t>전달된 문자열 인자를 모두 합쳐서 하나의 경로로 만든다</a:t>
+                      </a:r>
+                      <a:r>
+                        <a:rPr lang="en-US" altLang="ko-KR" sz="1100" dirty="0"/>
+                        <a:t>.</a:t>
+                      </a:r>
+                      <a:endParaRPr lang="ko-KR" altLang="en-US" sz="1100" dirty="0"/>
+                    </a:p>
+                  </a:txBody>
+                  <a:tcPr/>
+                </a:tc>
+                <a:extLst>
+                  <a:ext uri="{0D108BD9-81ED-4DB2-BD59-A6C34878D82A}">
+                    <a16:rowId xmlns:a16="http://schemas.microsoft.com/office/drawing/2014/main" val="593890101"/>
+                  </a:ext>
+                </a:extLst>
+              </a:tr>
+              <a:tr h="414046">
+                <a:tc>
+                  <a:txBody>
+                    <a:bodyPr/>
+                    <a:lstStyle/>
+                    <a:p>
+                      <a:pPr latinLnBrk="1"/>
+                      <a:r>
+                        <a:rPr lang="en-US" altLang="ko-KR" sz="1200" b="1" dirty="0" err="1"/>
+                        <a:t>GetDirectoryName</a:t>
+                      </a:r>
+                      <a:endParaRPr lang="ko-KR" altLang="en-US" sz="1200" b="1" dirty="0"/>
+                    </a:p>
+                  </a:txBody>
+                  <a:tcPr/>
+                </a:tc>
+                <a:tc>
+                  <a:txBody>
+                    <a:bodyPr/>
+                    <a:lstStyle/>
+                    <a:p>
+                      <a:pPr latinLnBrk="1"/>
+                      <a:r>
+                        <a:rPr lang="ko-KR" altLang="en-US" sz="1100" dirty="0"/>
+                        <a:t>전달된 문자열에서 파일 이름이 포함된 경우 그 파일의 부모 디렉터리 이름을 반환한다</a:t>
+                      </a:r>
+                      <a:r>
+                        <a:rPr lang="en-US" altLang="ko-KR" sz="1100" dirty="0"/>
+                        <a:t>. </a:t>
+                      </a:r>
+                    </a:p>
+                    <a:p>
+                      <a:pPr latinLnBrk="1"/>
+                      <a:r>
+                        <a:rPr lang="ko-KR" altLang="en-US" sz="1100" dirty="0"/>
+                        <a:t>반면 디렉터리 이름이 포함된 경우 그 부모 디렉터리 이름을 반환한다</a:t>
+                      </a:r>
+                      <a:r>
+                        <a:rPr lang="en-US" altLang="ko-KR" sz="1100" dirty="0"/>
+                        <a:t>.</a:t>
+                      </a:r>
+                      <a:endParaRPr lang="ko-KR" altLang="en-US" sz="1100" dirty="0"/>
+                    </a:p>
+                  </a:txBody>
+                  <a:tcPr/>
+                </a:tc>
+                <a:extLst>
+                  <a:ext uri="{0D108BD9-81ED-4DB2-BD59-A6C34878D82A}">
+                    <a16:rowId xmlns:a16="http://schemas.microsoft.com/office/drawing/2014/main" val="2631511039"/>
+                  </a:ext>
+                </a:extLst>
+              </a:tr>
+              <a:tr h="414046">
+                <a:tc>
+                  <a:txBody>
+                    <a:bodyPr/>
+                    <a:lstStyle/>
+                    <a:p>
+                      <a:pPr latinLnBrk="1"/>
+                      <a:r>
+                        <a:rPr lang="en-US" altLang="ko-KR" sz="1200" b="1" dirty="0" err="1"/>
+                        <a:t>GetExtension</a:t>
+                      </a:r>
+                      <a:endParaRPr lang="ko-KR" altLang="en-US" sz="1200" b="1" dirty="0"/>
+                    </a:p>
+                  </a:txBody>
+                  <a:tcPr/>
+                </a:tc>
+                <a:tc>
+                  <a:txBody>
+                    <a:bodyPr/>
+                    <a:lstStyle/>
+                    <a:p>
+                      <a:pPr latinLnBrk="1"/>
+                      <a:r>
+                        <a:rPr lang="ko-KR" altLang="en-US" sz="1100" dirty="0"/>
+                        <a:t>전달된 문자열의 확장자를 반환한다</a:t>
+                      </a:r>
+                      <a:r>
+                        <a:rPr lang="en-US" altLang="ko-KR" sz="1100" dirty="0"/>
+                        <a:t>.</a:t>
+                      </a:r>
+                      <a:endParaRPr lang="ko-KR" altLang="en-US" sz="1100" dirty="0"/>
+                    </a:p>
+                  </a:txBody>
+                  <a:tcPr/>
+                </a:tc>
+                <a:extLst>
+                  <a:ext uri="{0D108BD9-81ED-4DB2-BD59-A6C34878D82A}">
+                    <a16:rowId xmlns:a16="http://schemas.microsoft.com/office/drawing/2014/main" val="1654799318"/>
+                  </a:ext>
+                </a:extLst>
+              </a:tr>
+              <a:tr h="414046">
+                <a:tc>
+                  <a:txBody>
+                    <a:bodyPr/>
+                    <a:lstStyle/>
+                    <a:p>
+                      <a:pPr latinLnBrk="1"/>
+                      <a:r>
+                        <a:rPr lang="en-US" altLang="ko-KR" sz="1200" b="1" dirty="0" err="1"/>
+                        <a:t>GetFileName</a:t>
+                      </a:r>
+                      <a:endParaRPr lang="ko-KR" altLang="en-US" sz="1200" b="1" dirty="0"/>
+                    </a:p>
+                  </a:txBody>
+                  <a:tcPr/>
+                </a:tc>
+                <a:tc>
+                  <a:txBody>
+                    <a:bodyPr/>
+                    <a:lstStyle/>
+                    <a:p>
+                      <a:pPr latinLnBrk="1"/>
+                      <a:r>
+                        <a:rPr lang="ko-KR" altLang="en-US" sz="1100" dirty="0"/>
+                        <a:t>전달된 문자열의 파일명을 반환한다</a:t>
+                      </a:r>
+                      <a:r>
+                        <a:rPr lang="en-US" altLang="ko-KR" sz="1100" dirty="0"/>
+                        <a:t>.</a:t>
+                      </a:r>
+                      <a:endParaRPr lang="ko-KR" altLang="en-US" sz="1100" dirty="0"/>
+                    </a:p>
+                  </a:txBody>
+                  <a:tcPr/>
+                </a:tc>
+                <a:extLst>
+                  <a:ext uri="{0D108BD9-81ED-4DB2-BD59-A6C34878D82A}">
+                    <a16:rowId xmlns:a16="http://schemas.microsoft.com/office/drawing/2014/main" val="1762037625"/>
+                  </a:ext>
+                </a:extLst>
+              </a:tr>
+              <a:tr h="414046">
+                <a:tc>
+                  <a:txBody>
+                    <a:bodyPr/>
+                    <a:lstStyle/>
+                    <a:p>
+                      <a:pPr latinLnBrk="1"/>
+                      <a:r>
+                        <a:rPr lang="en-US" altLang="ko-KR" sz="1200" b="1" dirty="0" err="1"/>
+                        <a:t>GetFileNameWithoutExtension</a:t>
+                      </a:r>
+                      <a:endParaRPr lang="ko-KR" altLang="en-US" sz="1200" b="1" dirty="0"/>
+                    </a:p>
+                  </a:txBody>
+                  <a:tcPr/>
+                </a:tc>
+                <a:tc>
+                  <a:txBody>
+                    <a:bodyPr/>
+                    <a:lstStyle/>
+                    <a:p>
+                      <a:pPr latinLnBrk="1"/>
+                      <a:r>
+                        <a:rPr lang="ko-KR" altLang="en-US" sz="1100" dirty="0"/>
+                        <a:t>전달된 문자열의 파일명을 확장자를 제외시켜 반환한다</a:t>
+                      </a:r>
+                      <a:r>
+                        <a:rPr lang="en-US" altLang="ko-KR" sz="1100" dirty="0"/>
+                        <a:t>.</a:t>
+                      </a:r>
+                      <a:endParaRPr lang="ko-KR" altLang="en-US" sz="1100" dirty="0"/>
+                    </a:p>
+                  </a:txBody>
+                  <a:tcPr/>
+                </a:tc>
+                <a:extLst>
+                  <a:ext uri="{0D108BD9-81ED-4DB2-BD59-A6C34878D82A}">
+                    <a16:rowId xmlns:a16="http://schemas.microsoft.com/office/drawing/2014/main" val="1227375529"/>
+                  </a:ext>
+                </a:extLst>
+              </a:tr>
+              <a:tr h="414046">
+                <a:tc>
+                  <a:txBody>
+                    <a:bodyPr/>
+                    <a:lstStyle/>
+                    <a:p>
+                      <a:pPr latinLnBrk="1"/>
+                      <a:r>
+                        <a:rPr lang="en-US" altLang="ko-KR" sz="1200" b="1" dirty="0" err="1"/>
+                        <a:t>GetFullPath</a:t>
+                      </a:r>
+                      <a:endParaRPr lang="ko-KR" altLang="en-US" sz="1200" b="1" dirty="0"/>
+                    </a:p>
+                  </a:txBody>
+                  <a:tcPr/>
+                </a:tc>
+                <a:tc>
+                  <a:txBody>
+                    <a:bodyPr/>
+                    <a:lstStyle/>
+                    <a:p>
+                      <a:pPr latinLnBrk="1"/>
+                      <a:r>
+                        <a:rPr lang="ko-KR" altLang="en-US" sz="1100" dirty="0"/>
+                        <a:t>전달된 문자열의 파일명을 제외한 경로를 반환한다</a:t>
+                      </a:r>
+                      <a:r>
+                        <a:rPr lang="en-US" altLang="ko-KR" sz="1100" dirty="0"/>
+                        <a:t>.</a:t>
+                      </a:r>
+                      <a:endParaRPr lang="ko-KR" altLang="en-US" sz="1100" dirty="0"/>
+                    </a:p>
+                  </a:txBody>
+                  <a:tcPr/>
+                </a:tc>
+                <a:extLst>
+                  <a:ext uri="{0D108BD9-81ED-4DB2-BD59-A6C34878D82A}">
+                    <a16:rowId xmlns:a16="http://schemas.microsoft.com/office/drawing/2014/main" val="2123864135"/>
+                  </a:ext>
+                </a:extLst>
+              </a:tr>
+            </a:tbl>
+          </a:graphicData>
+        </a:graphic>
+      </p:graphicFrame>
+    </p:spTree>
+    <p:extLst>
+      <p:ext uri="{BB962C8B-B14F-4D97-AF65-F5344CB8AC3E}">
+        <p14:creationId xmlns:p14="http://schemas.microsoft.com/office/powerpoint/2010/main" val="794233561"/>
+      </p:ext>
+    </p:extLst>
+  </p:cSld>
+  <p:clrMapOvr>
+    <a:masterClrMapping/>
+  </p:clrMapOvr>
+</p:sld>
+</file>
+
+<file path=ppt/slides/slide15.xml><?xml version="1.0" encoding="utf-8"?>
+<p:sld xmlns:a="http://schemas.openxmlformats.org/drawingml/2006/main" xmlns:r="http://schemas.openxmlformats.org/officeDocument/2006/relationships" xmlns:p="http://schemas.openxmlformats.org/presentationml/2006/main">
+  <p:cSld>
+    <p:spTree>
+      <p:nvGrpSpPr>
+        <p:cNvPr id="1" name=""/>
+        <p:cNvGrpSpPr/>
+        <p:nvPr/>
+      </p:nvGrpSpPr>
+      <p:grpSpPr>
+        <a:xfrm>
+          <a:off x="0" y="0"/>
+          <a:ext cx="0" cy="0"/>
+          <a:chOff x="0" y="0"/>
+          <a:chExt cx="0" cy="0"/>
+        </a:xfrm>
+      </p:grpSpPr>
+      <p:sp>
+        <p:nvSpPr>
+          <p:cNvPr id="2" name="제목 1"/>
+          <p:cNvSpPr>
+            <a:spLocks noGrp="1"/>
+          </p:cNvSpPr>
+          <p:nvPr>
+            <p:ph type="title"/>
+          </p:nvPr>
+        </p:nvSpPr>
+        <p:spPr/>
+        <p:txBody>
+          <a:bodyPr/>
+          <a:lstStyle/>
+          <a:p>
+            <a:r>
+              <a:rPr lang="en-US" altLang="ko-KR" dirty="0"/>
+              <a:t>Base</a:t>
+            </a:r>
+            <a:r>
+              <a:rPr lang="ko-KR" altLang="en-US" dirty="0"/>
+              <a:t> </a:t>
+            </a:r>
+            <a:r>
+              <a:rPr lang="en-US" altLang="ko-KR" dirty="0"/>
+              <a:t>Class Library</a:t>
+            </a:r>
+            <a:endParaRPr lang="ko-KR" altLang="en-US" dirty="0"/>
+          </a:p>
+        </p:txBody>
+      </p:sp>
+      <p:sp>
+        <p:nvSpPr>
+          <p:cNvPr id="3" name="텍스트 개체 틀 2"/>
+          <p:cNvSpPr>
+            <a:spLocks noGrp="1"/>
+          </p:cNvSpPr>
+          <p:nvPr>
+            <p:ph type="body" sz="quarter" idx="12"/>
+          </p:nvPr>
+        </p:nvSpPr>
+        <p:spPr/>
+        <p:txBody>
+          <a:bodyPr/>
+          <a:lstStyle/>
+          <a:p>
+            <a:r>
+              <a:rPr lang="ko-KR" altLang="en-US" dirty="0"/>
+              <a:t>이바우</a:t>
+            </a:r>
+          </a:p>
+        </p:txBody>
+      </p:sp>
+      <p:sp>
+        <p:nvSpPr>
+          <p:cNvPr id="5" name="TextBox 4">
+            <a:extLst>
+              <a:ext uri="{FF2B5EF4-FFF2-40B4-BE49-F238E27FC236}">
+                <a16:creationId xmlns:a16="http://schemas.microsoft.com/office/drawing/2014/main" id="{3E380147-310D-4726-B4FD-EA889EB13697}"/>
+              </a:ext>
+            </a:extLst>
+          </p:cNvPr>
+          <p:cNvSpPr txBox="1"/>
+          <p:nvPr/>
+        </p:nvSpPr>
+        <p:spPr>
+          <a:xfrm>
+            <a:off x="416496" y="1205644"/>
+            <a:ext cx="9073008" cy="4898200"/>
+          </a:xfrm>
+          <a:prstGeom prst="rect">
+            <a:avLst/>
+          </a:prstGeom>
+          <a:ln w="28575">
+            <a:solidFill>
+              <a:schemeClr val="tx1"/>
+            </a:solidFill>
+          </a:ln>
+        </p:spPr>
+        <p:txBody>
+          <a:bodyPr wrap="square" rtlCol="0">
+            <a:spAutoFit/>
+          </a:bodyPr>
+          <a:lstStyle/>
+          <a:p>
+            <a:pPr>
+              <a:lnSpc>
+                <a:spcPct val="150000"/>
+              </a:lnSpc>
+            </a:pPr>
+            <a:endParaRPr lang="en-US" altLang="ko-KR" sz="1400" b="1" dirty="0"/>
+          </a:p>
+          <a:p>
+            <a:pPr>
+              <a:lnSpc>
+                <a:spcPct val="150000"/>
+              </a:lnSpc>
+            </a:pPr>
+            <a:r>
+              <a:rPr lang="en-US" altLang="ko-KR" sz="1400" b="1" dirty="0"/>
+              <a:t> Path </a:t>
+            </a:r>
+            <a:r>
+              <a:rPr lang="ko-KR" altLang="en-US" sz="1400" b="1" dirty="0"/>
+              <a:t>타입은 파일 경로와 관련해서 유용한 정적 메서드 제공</a:t>
+            </a:r>
+            <a:endParaRPr lang="en-US" altLang="ko-KR" sz="1400" b="1" dirty="0"/>
+          </a:p>
+          <a:p>
+            <a:pPr>
+              <a:lnSpc>
+                <a:spcPct val="150000"/>
+              </a:lnSpc>
+            </a:pPr>
+            <a:endParaRPr lang="en-US" altLang="ko-KR" sz="1400" b="1" dirty="0"/>
+          </a:p>
+          <a:p>
+            <a:pPr>
+              <a:lnSpc>
+                <a:spcPct val="150000"/>
+              </a:lnSpc>
+            </a:pPr>
+            <a:r>
+              <a:rPr lang="en-US" altLang="ko-KR" sz="1400" b="1" dirty="0"/>
+              <a:t> Path </a:t>
+            </a:r>
+            <a:r>
+              <a:rPr lang="ko-KR" altLang="en-US" sz="1400" b="1" dirty="0"/>
+              <a:t>정적 메서드</a:t>
+            </a:r>
+            <a:endParaRPr lang="en-US" altLang="ko-KR" sz="1400" b="1" dirty="0"/>
+          </a:p>
+          <a:p>
+            <a:pPr>
+              <a:lnSpc>
+                <a:spcPct val="150000"/>
+              </a:lnSpc>
+            </a:pPr>
+            <a:endParaRPr lang="en-US" altLang="ko-KR" sz="1400" b="1" dirty="0"/>
+          </a:p>
+          <a:p>
+            <a:pPr>
+              <a:lnSpc>
+                <a:spcPct val="150000"/>
+              </a:lnSpc>
+            </a:pPr>
+            <a:endParaRPr lang="en-US" altLang="ko-KR" sz="1400" b="1" dirty="0"/>
+          </a:p>
+          <a:p>
+            <a:pPr>
+              <a:lnSpc>
+                <a:spcPct val="150000"/>
+              </a:lnSpc>
+            </a:pPr>
+            <a:endParaRPr lang="en-US" altLang="ko-KR" sz="1400" b="1" dirty="0"/>
+          </a:p>
+          <a:p>
+            <a:pPr>
+              <a:lnSpc>
+                <a:spcPct val="150000"/>
+              </a:lnSpc>
+            </a:pPr>
+            <a:endParaRPr lang="en-US" altLang="ko-KR" sz="1400" b="1" dirty="0"/>
+          </a:p>
+          <a:p>
+            <a:pPr>
+              <a:lnSpc>
+                <a:spcPct val="150000"/>
+              </a:lnSpc>
+            </a:pPr>
+            <a:endParaRPr lang="en-US" altLang="ko-KR" sz="1400" b="1" dirty="0"/>
+          </a:p>
+          <a:p>
+            <a:pPr>
+              <a:lnSpc>
+                <a:spcPct val="150000"/>
+              </a:lnSpc>
+            </a:pPr>
+            <a:endParaRPr lang="en-US" altLang="ko-KR" sz="1400" b="1" dirty="0"/>
+          </a:p>
+          <a:p>
+            <a:pPr>
+              <a:lnSpc>
+                <a:spcPct val="150000"/>
+              </a:lnSpc>
+            </a:pPr>
+            <a:endParaRPr lang="en-US" altLang="ko-KR" sz="1400" b="1" dirty="0"/>
+          </a:p>
+          <a:p>
+            <a:pPr>
+              <a:lnSpc>
+                <a:spcPct val="150000"/>
+              </a:lnSpc>
+            </a:pPr>
+            <a:endParaRPr lang="en-US" altLang="ko-KR" sz="1400" b="1" dirty="0"/>
+          </a:p>
+          <a:p>
+            <a:pPr>
+              <a:lnSpc>
+                <a:spcPct val="150000"/>
+              </a:lnSpc>
+            </a:pPr>
+            <a:endParaRPr lang="en-US" altLang="ko-KR" sz="1400" b="1" dirty="0"/>
+          </a:p>
+          <a:p>
+            <a:pPr>
+              <a:lnSpc>
+                <a:spcPct val="150000"/>
+              </a:lnSpc>
+            </a:pPr>
+            <a:endParaRPr lang="en-US" altLang="ko-KR" sz="1400" b="1" dirty="0"/>
+          </a:p>
+          <a:p>
+            <a:pPr>
+              <a:lnSpc>
+                <a:spcPct val="150000"/>
+              </a:lnSpc>
+            </a:pPr>
+            <a:endParaRPr lang="en-US" altLang="ko-KR" sz="1400" b="1" dirty="0"/>
+          </a:p>
+        </p:txBody>
+      </p:sp>
+      <p:sp>
+        <p:nvSpPr>
+          <p:cNvPr id="6" name="TextBox 5">
+            <a:extLst>
+              <a:ext uri="{FF2B5EF4-FFF2-40B4-BE49-F238E27FC236}">
+                <a16:creationId xmlns:a16="http://schemas.microsoft.com/office/drawing/2014/main" id="{6C982F2C-AA68-4710-B87F-E3EFBDE5B513}"/>
+              </a:ext>
+            </a:extLst>
+          </p:cNvPr>
+          <p:cNvSpPr txBox="1"/>
+          <p:nvPr/>
+        </p:nvSpPr>
+        <p:spPr>
+          <a:xfrm>
+            <a:off x="416496" y="836712"/>
+            <a:ext cx="2016224" cy="373885"/>
+          </a:xfrm>
+          <a:prstGeom prst="rect">
+            <a:avLst/>
+          </a:prstGeom>
+          <a:ln w="28575">
+            <a:solidFill>
+              <a:schemeClr val="tx1"/>
+            </a:solidFill>
+          </a:ln>
+        </p:spPr>
+        <p:txBody>
+          <a:bodyPr wrap="square" rtlCol="0">
+            <a:spAutoFit/>
+          </a:bodyPr>
+          <a:lstStyle/>
+          <a:p>
+            <a:pPr>
+              <a:lnSpc>
+                <a:spcPct val="150000"/>
+              </a:lnSpc>
+            </a:pPr>
+            <a:r>
+              <a:rPr lang="en-US" altLang="ko-KR" sz="1400" b="1" dirty="0"/>
+              <a:t>6.5.4 </a:t>
+            </a:r>
+            <a:r>
+              <a:rPr lang="en-US" altLang="ko-KR" sz="1400" b="1" dirty="0" err="1"/>
+              <a:t>System.IO.Path</a:t>
+            </a:r>
+            <a:endParaRPr lang="en-US" altLang="ko-KR" sz="1400" b="1" dirty="0"/>
+          </a:p>
+        </p:txBody>
+      </p:sp>
+      <p:graphicFrame>
+        <p:nvGraphicFramePr>
+          <p:cNvPr id="4" name="표 7">
+            <a:extLst>
+              <a:ext uri="{FF2B5EF4-FFF2-40B4-BE49-F238E27FC236}">
+                <a16:creationId xmlns:a16="http://schemas.microsoft.com/office/drawing/2014/main" id="{0BD63777-8632-4E81-81B6-CBFF5DED19E3}"/>
+              </a:ext>
+            </a:extLst>
+          </p:cNvPr>
+          <p:cNvGraphicFramePr>
+            <a:graphicFrameLocks noGrp="1"/>
+          </p:cNvGraphicFramePr>
+          <p:nvPr>
+            <p:extLst>
+              <p:ext uri="{D42A27DB-BD31-4B8C-83A1-F6EECF244321}">
+                <p14:modId xmlns:p14="http://schemas.microsoft.com/office/powerpoint/2010/main" val="2436588744"/>
+              </p:ext>
+            </p:extLst>
+          </p:nvPr>
+        </p:nvGraphicFramePr>
+        <p:xfrm>
+          <a:off x="560512" y="2564904"/>
+          <a:ext cx="8640960" cy="2898322"/>
+        </p:xfrm>
+        <a:graphic>
+          <a:graphicData uri="http://schemas.openxmlformats.org/drawingml/2006/table">
+            <a:tbl>
+              <a:tblPr firstRow="1" bandRow="1">
+                <a:tableStyleId>{5C22544A-7EE6-4342-B048-85BDC9FD1C3A}</a:tableStyleId>
+              </a:tblPr>
+              <a:tblGrid>
+                <a:gridCol w="2664296">
+                  <a:extLst>
+                    <a:ext uri="{9D8B030D-6E8A-4147-A177-3AD203B41FA5}">
+                      <a16:colId xmlns:a16="http://schemas.microsoft.com/office/drawing/2014/main" val="3951926884"/>
+                    </a:ext>
+                  </a:extLst>
+                </a:gridCol>
+                <a:gridCol w="5976664">
+                  <a:extLst>
+                    <a:ext uri="{9D8B030D-6E8A-4147-A177-3AD203B41FA5}">
+                      <a16:colId xmlns:a16="http://schemas.microsoft.com/office/drawing/2014/main" val="3345788754"/>
+                    </a:ext>
+                  </a:extLst>
+                </a:gridCol>
+              </a:tblGrid>
+              <a:tr h="414046">
+                <a:tc>
+                  <a:txBody>
+                    <a:bodyPr/>
+                    <a:lstStyle/>
+                    <a:p>
+                      <a:pPr latinLnBrk="1"/>
+                      <a:r>
+                        <a:rPr lang="ko-KR" altLang="en-US" sz="1200" b="1" dirty="0"/>
+                        <a:t>정적 메서드</a:t>
+                      </a:r>
+                    </a:p>
+                  </a:txBody>
+                  <a:tcPr/>
+                </a:tc>
+                <a:tc>
+                  <a:txBody>
+                    <a:bodyPr/>
+                    <a:lstStyle/>
+                    <a:p>
+                      <a:pPr latinLnBrk="1"/>
+                      <a:r>
+                        <a:rPr lang="ko-KR" altLang="en-US" sz="1200" b="1" dirty="0"/>
+                        <a:t>설명</a:t>
+                      </a:r>
+                    </a:p>
+                  </a:txBody>
+                  <a:tcPr/>
+                </a:tc>
+                <a:extLst>
+                  <a:ext uri="{0D108BD9-81ED-4DB2-BD59-A6C34878D82A}">
+                    <a16:rowId xmlns:a16="http://schemas.microsoft.com/office/drawing/2014/main" val="593129558"/>
+                  </a:ext>
+                </a:extLst>
+              </a:tr>
+              <a:tr h="414046">
+                <a:tc>
+                  <a:txBody>
+                    <a:bodyPr/>
+                    <a:lstStyle/>
+                    <a:p>
+                      <a:pPr latinLnBrk="1"/>
+                      <a:r>
+                        <a:rPr lang="en-US" altLang="ko-KR" sz="1200" b="1" dirty="0" err="1"/>
+                        <a:t>GetInvalidFileNameChars</a:t>
+                      </a:r>
+                      <a:endParaRPr lang="ko-KR" altLang="en-US" sz="1200" b="1" dirty="0"/>
+                    </a:p>
+                  </a:txBody>
+                  <a:tcPr/>
+                </a:tc>
+                <a:tc>
+                  <a:txBody>
+                    <a:bodyPr/>
+                    <a:lstStyle/>
+                    <a:p>
+                      <a:pPr latinLnBrk="1"/>
+                      <a:r>
+                        <a:rPr lang="ko-KR" altLang="en-US" sz="1100" dirty="0"/>
+                        <a:t>파일 이름으로 부적절한 문자의 배열을 반환한다</a:t>
+                      </a:r>
+                      <a:r>
+                        <a:rPr lang="en-US" altLang="ko-KR" sz="1100" dirty="0"/>
+                        <a:t>.</a:t>
+                      </a:r>
+                      <a:endParaRPr lang="ko-KR" altLang="en-US" sz="1100" dirty="0"/>
+                    </a:p>
+                  </a:txBody>
+                  <a:tcPr/>
+                </a:tc>
+                <a:extLst>
+                  <a:ext uri="{0D108BD9-81ED-4DB2-BD59-A6C34878D82A}">
+                    <a16:rowId xmlns:a16="http://schemas.microsoft.com/office/drawing/2014/main" val="3734701099"/>
+                  </a:ext>
+                </a:extLst>
+              </a:tr>
+              <a:tr h="414046">
+                <a:tc>
+                  <a:txBody>
+                    <a:bodyPr/>
+                    <a:lstStyle/>
+                    <a:p>
+                      <a:pPr latinLnBrk="1"/>
+                      <a:r>
+                        <a:rPr lang="en-US" altLang="ko-KR" sz="1200" b="1" dirty="0" err="1"/>
+                        <a:t>GetInvalidPathChars</a:t>
+                      </a:r>
+                      <a:endParaRPr lang="ko-KR" altLang="en-US" sz="1200" b="1" dirty="0"/>
+                    </a:p>
+                  </a:txBody>
+                  <a:tcPr/>
+                </a:tc>
+                <a:tc>
+                  <a:txBody>
+                    <a:bodyPr/>
+                    <a:lstStyle/>
+                    <a:p>
+                      <a:pPr latinLnBrk="1"/>
+                      <a:r>
+                        <a:rPr lang="ko-KR" altLang="en-US" sz="1100" dirty="0"/>
+                        <a:t>경로 이름으로 부적절한 문자의 배열을 반환한다</a:t>
+                      </a:r>
+                      <a:r>
+                        <a:rPr lang="en-US" altLang="ko-KR" sz="1100" dirty="0"/>
+                        <a:t>.</a:t>
+                      </a:r>
+                      <a:endParaRPr lang="ko-KR" altLang="en-US" sz="1100" dirty="0"/>
+                    </a:p>
+                  </a:txBody>
+                  <a:tcPr/>
+                </a:tc>
+                <a:extLst>
+                  <a:ext uri="{0D108BD9-81ED-4DB2-BD59-A6C34878D82A}">
+                    <a16:rowId xmlns:a16="http://schemas.microsoft.com/office/drawing/2014/main" val="593890101"/>
+                  </a:ext>
+                </a:extLst>
+              </a:tr>
+              <a:tr h="414046">
+                <a:tc>
+                  <a:txBody>
+                    <a:bodyPr/>
+                    <a:lstStyle/>
+                    <a:p>
+                      <a:pPr latinLnBrk="1"/>
+                      <a:r>
+                        <a:rPr lang="en-US" altLang="ko-KR" sz="1200" b="1" dirty="0" err="1"/>
+                        <a:t>GetPathRoot</a:t>
+                      </a:r>
+                      <a:endParaRPr lang="ko-KR" altLang="en-US" sz="1200" b="1" dirty="0"/>
+                    </a:p>
+                  </a:txBody>
+                  <a:tcPr/>
+                </a:tc>
+                <a:tc>
+                  <a:txBody>
+                    <a:bodyPr/>
+                    <a:lstStyle/>
+                    <a:p>
+                      <a:pPr latinLnBrk="1"/>
+                      <a:r>
+                        <a:rPr lang="ko-KR" altLang="en-US" sz="1100" dirty="0"/>
+                        <a:t>전달된 문자열의 루트 드라이브 문자열을 반환한다</a:t>
+                      </a:r>
+                      <a:r>
+                        <a:rPr lang="en-US" altLang="ko-KR" sz="1100" dirty="0"/>
+                        <a:t>.</a:t>
+                      </a:r>
+                      <a:endParaRPr lang="ko-KR" altLang="en-US" sz="1100" dirty="0"/>
+                    </a:p>
+                  </a:txBody>
+                  <a:tcPr/>
+                </a:tc>
+                <a:extLst>
+                  <a:ext uri="{0D108BD9-81ED-4DB2-BD59-A6C34878D82A}">
+                    <a16:rowId xmlns:a16="http://schemas.microsoft.com/office/drawing/2014/main" val="2631511039"/>
+                  </a:ext>
+                </a:extLst>
+              </a:tr>
+              <a:tr h="414046">
+                <a:tc>
+                  <a:txBody>
+                    <a:bodyPr/>
+                    <a:lstStyle/>
+                    <a:p>
+                      <a:pPr latinLnBrk="1"/>
+                      <a:r>
+                        <a:rPr lang="en-US" altLang="ko-KR" sz="1200" b="1" dirty="0" err="1"/>
+                        <a:t>GetRandomFileName</a:t>
+                      </a:r>
+                      <a:endParaRPr lang="ko-KR" altLang="en-US" sz="1200" b="1" dirty="0"/>
+                    </a:p>
+                  </a:txBody>
+                  <a:tcPr/>
+                </a:tc>
+                <a:tc>
+                  <a:txBody>
+                    <a:bodyPr/>
+                    <a:lstStyle/>
+                    <a:p>
+                      <a:pPr latinLnBrk="1"/>
+                      <a:r>
+                        <a:rPr lang="ko-KR" altLang="en-US" sz="1100" dirty="0"/>
+                        <a:t>임의의 파일명을 반환한다</a:t>
+                      </a:r>
+                      <a:r>
+                        <a:rPr lang="en-US" altLang="ko-KR" sz="1100" dirty="0"/>
+                        <a:t>.</a:t>
+                      </a:r>
+                      <a:endParaRPr lang="ko-KR" altLang="en-US" sz="1100" dirty="0"/>
+                    </a:p>
+                  </a:txBody>
+                  <a:tcPr/>
+                </a:tc>
+                <a:extLst>
+                  <a:ext uri="{0D108BD9-81ED-4DB2-BD59-A6C34878D82A}">
+                    <a16:rowId xmlns:a16="http://schemas.microsoft.com/office/drawing/2014/main" val="1654799318"/>
+                  </a:ext>
+                </a:extLst>
+              </a:tr>
+              <a:tr h="414046">
+                <a:tc>
+                  <a:txBody>
+                    <a:bodyPr/>
+                    <a:lstStyle/>
+                    <a:p>
+                      <a:pPr latinLnBrk="1"/>
+                      <a:r>
+                        <a:rPr lang="en-US" altLang="ko-KR" sz="1200" b="1" dirty="0" err="1"/>
+                        <a:t>GetTempFileName</a:t>
+                      </a:r>
+                      <a:endParaRPr lang="ko-KR" altLang="en-US" sz="1200" b="1" dirty="0"/>
+                    </a:p>
+                  </a:txBody>
+                  <a:tcPr/>
+                </a:tc>
+                <a:tc>
+                  <a:txBody>
+                    <a:bodyPr/>
+                    <a:lstStyle/>
+                    <a:p>
+                      <a:pPr latinLnBrk="1"/>
+                      <a:r>
+                        <a:rPr lang="ko-KR" altLang="en-US" sz="1100" dirty="0"/>
+                        <a:t>윈도우 임시 폴더 경로에 임의의 파일을 생성하고 그 경로를 반환한다</a:t>
+                      </a:r>
+                      <a:r>
+                        <a:rPr lang="en-US" altLang="ko-KR" sz="1100" dirty="0"/>
+                        <a:t>.</a:t>
+                      </a:r>
+                      <a:endParaRPr lang="ko-KR" altLang="en-US" sz="1100" dirty="0"/>
+                    </a:p>
+                  </a:txBody>
+                  <a:tcPr/>
+                </a:tc>
+                <a:extLst>
+                  <a:ext uri="{0D108BD9-81ED-4DB2-BD59-A6C34878D82A}">
+                    <a16:rowId xmlns:a16="http://schemas.microsoft.com/office/drawing/2014/main" val="1762037625"/>
+                  </a:ext>
+                </a:extLst>
+              </a:tr>
+              <a:tr h="414046">
+                <a:tc>
+                  <a:txBody>
+                    <a:bodyPr/>
+                    <a:lstStyle/>
+                    <a:p>
+                      <a:pPr latinLnBrk="1"/>
+                      <a:r>
+                        <a:rPr lang="en-US" altLang="ko-KR" sz="1200" b="1" dirty="0" err="1"/>
+                        <a:t>GetTempPath</a:t>
+                      </a:r>
+                      <a:endParaRPr lang="ko-KR" altLang="en-US" sz="1200" b="1" dirty="0"/>
+                    </a:p>
+                  </a:txBody>
+                  <a:tcPr/>
+                </a:tc>
+                <a:tc>
+                  <a:txBody>
+                    <a:bodyPr/>
+                    <a:lstStyle/>
+                    <a:p>
+                      <a:pPr latinLnBrk="1"/>
+                      <a:r>
+                        <a:rPr lang="ko-KR" altLang="en-US" sz="1100" dirty="0"/>
+                        <a:t>윈도우의 임시 폴더 경로를 반환한다</a:t>
+                      </a:r>
+                      <a:r>
+                        <a:rPr lang="en-US" altLang="ko-KR" sz="1100" dirty="0"/>
+                        <a:t>.</a:t>
+                      </a:r>
+                      <a:endParaRPr lang="ko-KR" altLang="en-US" sz="1100" dirty="0"/>
+                    </a:p>
+                  </a:txBody>
+                  <a:tcPr/>
+                </a:tc>
+                <a:extLst>
+                  <a:ext uri="{0D108BD9-81ED-4DB2-BD59-A6C34878D82A}">
+                    <a16:rowId xmlns:a16="http://schemas.microsoft.com/office/drawing/2014/main" val="1227375529"/>
+                  </a:ext>
+                </a:extLst>
+              </a:tr>
+            </a:tbl>
+          </a:graphicData>
+        </a:graphic>
+      </p:graphicFrame>
+    </p:spTree>
+    <p:extLst>
+      <p:ext uri="{BB962C8B-B14F-4D97-AF65-F5344CB8AC3E}">
+        <p14:creationId xmlns:p14="http://schemas.microsoft.com/office/powerpoint/2010/main" val="2634897004"/>
       </p:ext>
     </p:extLst>
   </p:cSld>
@@ -18183,15 +20033,6 @@
 </file>
 
 <file path=customXml/item2.xml><?xml version="1.0" encoding="utf-8"?>
-<?mso-contentType ?>
-<FormTemplates xmlns="http://schemas.microsoft.com/sharepoint/v3/contenttype/forms">
-  <Display>DocumentLibraryForm</Display>
-  <Edit>DocumentLibraryForm</Edit>
-  <New>DocumentLibraryForm</New>
-</FormTemplates>
-</file>
-
-<file path=customXml/item3.xml><?xml version="1.0" encoding="utf-8"?>
 <ct:contentTypeSchema xmlns:ct="http://schemas.microsoft.com/office/2006/metadata/contentType" xmlns:ma="http://schemas.microsoft.com/office/2006/metadata/properties/metaAttributes" ct:_="" ma:_="" ma:contentTypeName="문서" ma:contentTypeID="0x0101009E83431362FE4E479AFE784FA9188651" ma:contentTypeVersion="0" ma:contentTypeDescription="새 문서를 만듭니다." ma:contentTypeScope="" ma:versionID="8c3e47d44ebfc8c65f7d738e734783b1">
   <xsd:schema xmlns:xsd="http://www.w3.org/2001/XMLSchema" xmlns:xs="http://www.w3.org/2001/XMLSchema" xmlns:p="http://schemas.microsoft.com/office/2006/metadata/properties" targetNamespace="http://schemas.microsoft.com/office/2006/metadata/properties" ma:root="true" ma:fieldsID="dd8f6c9257034a6ffde9c3b3e5e5b894">
     <xsd:element name="properties">
@@ -18305,6 +20146,15 @@
 </ct:contentTypeSchema>
 </file>
 
+<file path=customXml/item3.xml><?xml version="1.0" encoding="utf-8"?>
+<?mso-contentType ?>
+<FormTemplates xmlns="http://schemas.microsoft.com/sharepoint/v3/contenttype/forms">
+  <Display>DocumentLibraryForm</Display>
+  <Edit>DocumentLibraryForm</Edit>
+  <New>DocumentLibraryForm</New>
+</FormTemplates>
+</file>
+
 <file path=customXml/itemProps1.xml><?xml version="1.0" encoding="utf-8"?>
 <ds:datastoreItem xmlns:ds="http://schemas.openxmlformats.org/officeDocument/2006/customXml" ds:itemID="{F690C689-3919-4FAB-A032-F7730DDB613A}">
   <ds:schemaRefs>
@@ -18321,14 +20171,6 @@
 </file>
 
 <file path=customXml/itemProps2.xml><?xml version="1.0" encoding="utf-8"?>
-<ds:datastoreItem xmlns:ds="http://schemas.openxmlformats.org/officeDocument/2006/customXml" ds:itemID="{DB0449EB-AB12-46ED-B1D5-5ADE30ED81CF}">
-  <ds:schemaRefs>
-    <ds:schemaRef ds:uri="http://schemas.microsoft.com/sharepoint/v3/contenttype/forms"/>
-  </ds:schemaRefs>
-</ds:datastoreItem>
-</file>
-
-<file path=customXml/itemProps3.xml><?xml version="1.0" encoding="utf-8"?>
 <ds:datastoreItem xmlns:ds="http://schemas.openxmlformats.org/officeDocument/2006/customXml" ds:itemID="{523B2C53-46AC-4194-BE77-B01686A95413}">
   <ds:schemaRefs>
     <ds:schemaRef ds:uri="http://schemas.microsoft.com/office/2006/metadata/contentType"/>
@@ -18342,4 +20184,12 @@
     <ds:schemaRef ds:uri="http://schemas.microsoft.com/office/infopath/2007/PartnerControls"/>
   </ds:schemaRefs>
 </ds:datastoreItem>
+</file>
+
+<file path=customXml/itemProps3.xml><?xml version="1.0" encoding="utf-8"?>
+<ds:datastoreItem xmlns:ds="http://schemas.openxmlformats.org/officeDocument/2006/customXml" ds:itemID="{DB0449EB-AB12-46ED-B1D5-5ADE30ED81CF}">
+  <ds:schemaRefs>
+    <ds:schemaRef ds:uri="http://schemas.microsoft.com/sharepoint/v3/contenttype/forms"/>
+  </ds:schemaRefs>
+</ds:datastoreItem>
 </file>